--- a/Sposoby Sortowania.pptx
+++ b/Sposoby Sortowania.pptx
@@ -9,15 +9,22 @@
     <p:sldId id="258" r:id="rId3"/>
     <p:sldId id="257" r:id="rId4"/>
     <p:sldId id="259" r:id="rId5"/>
-    <p:sldId id="260" r:id="rId6"/>
-    <p:sldId id="263" r:id="rId7"/>
-    <p:sldId id="261" r:id="rId8"/>
-    <p:sldId id="262" r:id="rId9"/>
-    <p:sldId id="264" r:id="rId10"/>
-    <p:sldId id="265" r:id="rId11"/>
-    <p:sldId id="266" r:id="rId12"/>
-    <p:sldId id="267" r:id="rId13"/>
-    <p:sldId id="268" r:id="rId14"/>
+    <p:sldId id="269" r:id="rId6"/>
+    <p:sldId id="270" r:id="rId7"/>
+    <p:sldId id="271" r:id="rId8"/>
+    <p:sldId id="260" r:id="rId9"/>
+    <p:sldId id="273" r:id="rId10"/>
+    <p:sldId id="274" r:id="rId11"/>
+    <p:sldId id="275" r:id="rId12"/>
+    <p:sldId id="272" r:id="rId13"/>
+    <p:sldId id="263" r:id="rId14"/>
+    <p:sldId id="261" r:id="rId15"/>
+    <p:sldId id="262" r:id="rId16"/>
+    <p:sldId id="264" r:id="rId17"/>
+    <p:sldId id="265" r:id="rId18"/>
+    <p:sldId id="266" r:id="rId19"/>
+    <p:sldId id="267" r:id="rId20"/>
+    <p:sldId id="268" r:id="rId21"/>
   </p:sldIdLst>
   <p:sldSz cx="12192000" cy="6858000"/>
   <p:notesSz cx="6858000" cy="9144000"/>
@@ -116,7 +123,24 @@
       </a:defRPr>
     </a:lvl9pPr>
   </p:defaultTextStyle>
+  <p:extLst>
+    <p:ext uri="{EFAFB233-063F-42B5-8137-9DF3F51BA10A}">
+      <p15:sldGuideLst xmlns:p15="http://schemas.microsoft.com/office/powerpoint/2012/main"/>
+    </p:ext>
+  </p:extLst>
 </p:presentation>
+</file>
+
+<file path=ppt/commentAuthors.xml><?xml version="1.0" encoding="utf-8"?>
+<p:cmAuthorLst xmlns:a="http://schemas.openxmlformats.org/drawingml/2006/main" xmlns:r="http://schemas.openxmlformats.org/officeDocument/2006/relationships" xmlns:p="http://schemas.openxmlformats.org/presentationml/2006/main">
+  <p:cmAuthor id="1" name="Artur Binczyk" initials="AB" lastIdx="1" clrIdx="0">
+    <p:extLst>
+      <p:ext uri="{19B8F6BF-5375-455C-9EA6-DF929625EA0E}">
+        <p15:presenceInfo xmlns:p15="http://schemas.microsoft.com/office/powerpoint/2012/main" userId="91a8f8ef0a162dce" providerId="Windows Live"/>
+      </p:ext>
+    </p:extLst>
+  </p:cmAuthor>
+</p:cmAuthorLst>
 </file>
 
 <file path=ppt/charts/chart1.xml><?xml version="1.0" encoding="utf-8"?>
@@ -3956,6 +3980,20 @@
 </cs:chartStyle>
 </file>
 
+<file path=ppt/comments/comment1.xml><?xml version="1.0" encoding="utf-8"?>
+<p:cmLst xmlns:a="http://schemas.openxmlformats.org/drawingml/2006/main" xmlns:r="http://schemas.openxmlformats.org/officeDocument/2006/relationships" xmlns:p="http://schemas.openxmlformats.org/presentationml/2006/main">
+  <p:cm authorId="1" dt="2021-03-15T17:09:15.768" idx="1">
+    <p:pos x="10" y="10"/>
+    <p:text/>
+    <p:extLst>
+      <p:ext uri="{C676402C-5697-4E1C-873F-D02D1690AC5C}">
+        <p15:threadingInfo xmlns:p15="http://schemas.microsoft.com/office/powerpoint/2012/main" timeZoneBias="-60"/>
+      </p:ext>
+    </p:extLst>
+  </p:cm>
+</p:cmLst>
+</file>
+
 <file path=ppt/slideLayouts/slideLayout1.xml><?xml version="1.0" encoding="utf-8"?>
 <p:sldLayout xmlns:a="http://schemas.openxmlformats.org/drawingml/2006/main" xmlns:r="http://schemas.openxmlformats.org/officeDocument/2006/relationships" xmlns:p="http://schemas.openxmlformats.org/presentationml/2006/main" type="title" preserve="1">
   <p:cSld name="Slajd tytułowy">
@@ -4103,7 +4141,7 @@
           <a:p>
             <a:fld id="{7090338F-E53C-4AF6-BB2C-590F6F74A5DE}" type="datetimeFigureOut">
               <a:rPr lang="pl-PL" smtClean="0"/>
-              <a:t>07.03.2021</a:t>
+              <a:t>15.03.2021</a:t>
             </a:fld>
             <a:endParaRPr lang="pl-PL"/>
           </a:p>
@@ -4301,7 +4339,7 @@
           <a:p>
             <a:fld id="{7090338F-E53C-4AF6-BB2C-590F6F74A5DE}" type="datetimeFigureOut">
               <a:rPr lang="pl-PL" smtClean="0"/>
-              <a:t>07.03.2021</a:t>
+              <a:t>15.03.2021</a:t>
             </a:fld>
             <a:endParaRPr lang="pl-PL"/>
           </a:p>
@@ -4509,7 +4547,7 @@
           <a:p>
             <a:fld id="{7090338F-E53C-4AF6-BB2C-590F6F74A5DE}" type="datetimeFigureOut">
               <a:rPr lang="pl-PL" smtClean="0"/>
-              <a:t>07.03.2021</a:t>
+              <a:t>15.03.2021</a:t>
             </a:fld>
             <a:endParaRPr lang="pl-PL"/>
           </a:p>
@@ -4707,7 +4745,7 @@
           <a:p>
             <a:fld id="{7090338F-E53C-4AF6-BB2C-590F6F74A5DE}" type="datetimeFigureOut">
               <a:rPr lang="pl-PL" smtClean="0"/>
-              <a:t>07.03.2021</a:t>
+              <a:t>15.03.2021</a:t>
             </a:fld>
             <a:endParaRPr lang="pl-PL"/>
           </a:p>
@@ -4982,7 +5020,7 @@
           <a:p>
             <a:fld id="{7090338F-E53C-4AF6-BB2C-590F6F74A5DE}" type="datetimeFigureOut">
               <a:rPr lang="pl-PL" smtClean="0"/>
-              <a:t>07.03.2021</a:t>
+              <a:t>15.03.2021</a:t>
             </a:fld>
             <a:endParaRPr lang="pl-PL"/>
           </a:p>
@@ -5247,7 +5285,7 @@
           <a:p>
             <a:fld id="{7090338F-E53C-4AF6-BB2C-590F6F74A5DE}" type="datetimeFigureOut">
               <a:rPr lang="pl-PL" smtClean="0"/>
-              <a:t>07.03.2021</a:t>
+              <a:t>15.03.2021</a:t>
             </a:fld>
             <a:endParaRPr lang="pl-PL"/>
           </a:p>
@@ -5659,7 +5697,7 @@
           <a:p>
             <a:fld id="{7090338F-E53C-4AF6-BB2C-590F6F74A5DE}" type="datetimeFigureOut">
               <a:rPr lang="pl-PL" smtClean="0"/>
-              <a:t>07.03.2021</a:t>
+              <a:t>15.03.2021</a:t>
             </a:fld>
             <a:endParaRPr lang="pl-PL"/>
           </a:p>
@@ -5800,7 +5838,7 @@
           <a:p>
             <a:fld id="{7090338F-E53C-4AF6-BB2C-590F6F74A5DE}" type="datetimeFigureOut">
               <a:rPr lang="pl-PL" smtClean="0"/>
-              <a:t>07.03.2021</a:t>
+              <a:t>15.03.2021</a:t>
             </a:fld>
             <a:endParaRPr lang="pl-PL"/>
           </a:p>
@@ -5913,7 +5951,7 @@
           <a:p>
             <a:fld id="{7090338F-E53C-4AF6-BB2C-590F6F74A5DE}" type="datetimeFigureOut">
               <a:rPr lang="pl-PL" smtClean="0"/>
-              <a:t>07.03.2021</a:t>
+              <a:t>15.03.2021</a:t>
             </a:fld>
             <a:endParaRPr lang="pl-PL"/>
           </a:p>
@@ -6224,7 +6262,7 @@
           <a:p>
             <a:fld id="{7090338F-E53C-4AF6-BB2C-590F6F74A5DE}" type="datetimeFigureOut">
               <a:rPr lang="pl-PL" smtClean="0"/>
-              <a:t>07.03.2021</a:t>
+              <a:t>15.03.2021</a:t>
             </a:fld>
             <a:endParaRPr lang="pl-PL"/>
           </a:p>
@@ -6512,7 +6550,7 @@
           <a:p>
             <a:fld id="{7090338F-E53C-4AF6-BB2C-590F6F74A5DE}" type="datetimeFigureOut">
               <a:rPr lang="pl-PL" smtClean="0"/>
-              <a:t>07.03.2021</a:t>
+              <a:t>15.03.2021</a:t>
             </a:fld>
             <a:endParaRPr lang="pl-PL"/>
           </a:p>
@@ -6753,7 +6791,7 @@
           <a:p>
             <a:fld id="{7090338F-E53C-4AF6-BB2C-590F6F74A5DE}" type="datetimeFigureOut">
               <a:rPr lang="pl-PL" smtClean="0"/>
-              <a:t>07.03.2021</a:t>
+              <a:t>15.03.2021</a:t>
             </a:fld>
             <a:endParaRPr lang="pl-PL"/>
           </a:p>
@@ -7260,6 +7298,40 @@
 <file path=ppt/slides/slide10.xml><?xml version="1.0" encoding="utf-8"?>
 <p:sld xmlns:a="http://schemas.openxmlformats.org/drawingml/2006/main" xmlns:r="http://schemas.openxmlformats.org/officeDocument/2006/relationships" xmlns:p="http://schemas.openxmlformats.org/presentationml/2006/main">
   <p:cSld>
+    <p:bg>
+      <p:bgPr>
+        <a:gradFill>
+          <a:gsLst>
+            <a:gs pos="0">
+              <a:schemeClr val="accent1">
+                <a:lumMod val="5000"/>
+                <a:lumOff val="95000"/>
+              </a:schemeClr>
+            </a:gs>
+            <a:gs pos="74000">
+              <a:schemeClr val="accent1">
+                <a:lumMod val="45000"/>
+                <a:lumOff val="55000"/>
+              </a:schemeClr>
+            </a:gs>
+            <a:gs pos="83000">
+              <a:schemeClr val="accent1">
+                <a:lumMod val="45000"/>
+                <a:lumOff val="55000"/>
+              </a:schemeClr>
+            </a:gs>
+            <a:gs pos="100000">
+              <a:schemeClr val="accent1">
+                <a:lumMod val="30000"/>
+                <a:lumOff val="70000"/>
+              </a:schemeClr>
+            </a:gs>
+          </a:gsLst>
+          <a:lin ang="5400000" scaled="1"/>
+        </a:gradFill>
+        <a:effectLst/>
+      </p:bgPr>
+    </p:bg>
     <p:spTree>
       <p:nvGrpSpPr>
         <p:cNvPr id="1" name=""/>
@@ -7276,10 +7348,10 @@
       </p:grpSpPr>
       <p:sp>
         <p:nvSpPr>
-          <p:cNvPr id="2" name="Tytuł 1">
-            <a:extLst>
-              <a:ext uri="{FF2B5EF4-FFF2-40B4-BE49-F238E27FC236}">
-                <a16:creationId xmlns:a16="http://schemas.microsoft.com/office/drawing/2014/main" id="{9CFA705D-5190-4494-9800-80CE6F11AB08}"/>
+          <p:cNvPr id="3" name="Symbol zastępczy zawartości 2">
+            <a:extLst>
+              <a:ext uri="{FF2B5EF4-FFF2-40B4-BE49-F238E27FC236}">
+                <a16:creationId xmlns:a16="http://schemas.microsoft.com/office/drawing/2014/main" id="{E100DB42-D73B-4613-A716-401D2B46D1E1}"/>
               </a:ext>
             </a:extLst>
           </p:cNvPr>
@@ -7287,7 +7359,7 @@
             <a:spLocks noGrp="1"/>
           </p:cNvSpPr>
           <p:nvPr>
-            <p:ph type="title"/>
+            <p:ph sz="half" idx="1"/>
           </p:nvPr>
         </p:nvSpPr>
         <p:spPr/>
@@ -7297,142 +7369,63 @@
           </a:bodyPr>
           <a:lstStyle/>
           <a:p>
-            <a:pPr algn="ctr"/>
-            <a:r>
-              <a:rPr lang="pl-PL" sz="3200" b="1" dirty="0"/>
-              <a:t>Jak spisują się nasze sortowania w sytuacji pesymistycznej</a:t>
-            </a:r>
-            <a:endParaRPr lang="pl-PL" sz="3200" dirty="0"/>
-          </a:p>
-        </p:txBody>
-      </p:sp>
-      <p:sp>
-        <p:nvSpPr>
-          <p:cNvPr id="3" name="Symbol zastępczy zawartości 2">
-            <a:extLst>
-              <a:ext uri="{FF2B5EF4-FFF2-40B4-BE49-F238E27FC236}">
-                <a16:creationId xmlns:a16="http://schemas.microsoft.com/office/drawing/2014/main" id="{47304BFE-6B66-4D76-A83B-3FA2189572CB}"/>
-              </a:ext>
-            </a:extLst>
-          </p:cNvPr>
-          <p:cNvSpPr>
-            <a:spLocks noGrp="1"/>
-          </p:cNvSpPr>
-          <p:nvPr>
-            <p:ph sz="half" idx="1"/>
-          </p:nvPr>
-        </p:nvSpPr>
-        <p:spPr/>
-        <p:txBody>
-          <a:bodyPr>
-            <a:normAutofit lnSpcReduction="10000"/>
-          </a:bodyPr>
-          <a:lstStyle/>
-          <a:p>
             <a:pPr marL="0" indent="0">
               <a:buNone/>
             </a:pPr>
             <a:r>
-              <a:rPr lang="pl-PL" dirty="0"/>
-              <a:t>W sytuacji pesymistycznej insert sort już nie działa aż tak dobrze (tak samo jak </a:t>
-            </a:r>
-            <a:r>
-              <a:rPr lang="pl-PL" dirty="0" err="1"/>
-              <a:t>bubble</a:t>
-            </a:r>
-            <a:r>
-              <a:rPr lang="pl-PL" dirty="0"/>
-              <a:t> i </a:t>
-            </a:r>
-            <a:r>
-              <a:rPr lang="pl-PL" dirty="0" err="1"/>
-              <a:t>selection</a:t>
-            </a:r>
-            <a:r>
-              <a:rPr lang="pl-PL" dirty="0"/>
-              <a:t> znacznie zwalnia wraz z zwiększoną ilością elementów). Sort z biblioteki </a:t>
-            </a:r>
-            <a:r>
-              <a:rPr lang="pl-PL" dirty="0" err="1"/>
+              <a:rPr lang="pl-PL" sz="2400" dirty="0"/>
+              <a:t>Następnie sortuje każdy z kubełków wbudowanym algorytmem sort z biblioteki </a:t>
+            </a:r>
+            <a:r>
+              <a:rPr lang="pl-PL" sz="2400" dirty="0" err="1"/>
               <a:t>algorithm</a:t>
             </a:r>
             <a:r>
-              <a:rPr lang="pl-PL" dirty="0"/>
-              <a:t> jest najszybszy, ponownie widzimy że buble sort jest najwolniejszy, ale tym razem znacznie od </a:t>
-            </a:r>
-            <a:r>
-              <a:rPr lang="pl-PL" dirty="0" err="1"/>
-              <a:t>selection</a:t>
-            </a:r>
-            <a:r>
-              <a:rPr lang="pl-PL" dirty="0"/>
-              <a:t> </a:t>
-            </a:r>
-            <a:r>
-              <a:rPr lang="pl-PL" dirty="0" err="1"/>
-              <a:t>sorta</a:t>
-            </a:r>
-            <a:r>
-              <a:rPr lang="pl-PL" dirty="0"/>
-              <a:t> przy czym </a:t>
-            </a:r>
-            <a:r>
-              <a:rPr lang="pl-PL" dirty="0" err="1"/>
-              <a:t>bucket</a:t>
-            </a:r>
-            <a:r>
-              <a:rPr lang="pl-PL" dirty="0"/>
-              <a:t> sort szybkość </a:t>
-            </a:r>
-            <a:r>
-              <a:rPr lang="pl-PL" dirty="0" err="1"/>
-              <a:t>bucket</a:t>
-            </a:r>
-            <a:r>
-              <a:rPr lang="pl-PL" dirty="0"/>
-              <a:t> </a:t>
-            </a:r>
-            <a:r>
-              <a:rPr lang="pl-PL" dirty="0" err="1"/>
-              <a:t>sorta</a:t>
-            </a:r>
-            <a:r>
-              <a:rPr lang="pl-PL" dirty="0"/>
-              <a:t> prawie się nie zmienia.</a:t>
+              <a:rPr lang="pl-PL" sz="2400" dirty="0"/>
+              <a:t>.</a:t>
             </a:r>
           </a:p>
         </p:txBody>
       </p:sp>
-      <p:graphicFrame>
-        <p:nvGraphicFramePr>
-          <p:cNvPr id="5" name="Symbol zastępczy zawartości 4">
-            <a:extLst>
-              <a:ext uri="{FF2B5EF4-FFF2-40B4-BE49-F238E27FC236}">
-                <a16:creationId xmlns:a16="http://schemas.microsoft.com/office/drawing/2014/main" id="{E38D0249-FE79-467A-81B5-CFC7BE609D83}"/>
-              </a:ext>
-            </a:extLst>
-          </p:cNvPr>
-          <p:cNvGraphicFramePr>
-            <a:graphicFrameLocks noGrp="1"/>
-          </p:cNvGraphicFramePr>
+      <p:pic>
+        <p:nvPicPr>
+          <p:cNvPr id="6" name="Symbol zastępczy zawartości 5">
+            <a:extLst>
+              <a:ext uri="{FF2B5EF4-FFF2-40B4-BE49-F238E27FC236}">
+                <a16:creationId xmlns:a16="http://schemas.microsoft.com/office/drawing/2014/main" id="{2F738FE2-0CE5-43E2-A114-B298F4724E8A}"/>
+              </a:ext>
+            </a:extLst>
+          </p:cNvPr>
+          <p:cNvPicPr>
+            <a:picLocks noGrp="1" noChangeAspect="1"/>
+          </p:cNvPicPr>
           <p:nvPr>
             <p:ph sz="half" idx="2"/>
           </p:nvPr>
-        </p:nvGraphicFramePr>
-        <p:xfrm>
-          <a:off x="6172200" y="1825625"/>
-          <a:ext cx="5181600" cy="4351338"/>
-        </p:xfrm>
-        <a:graphic>
-          <a:graphicData uri="http://schemas.openxmlformats.org/drawingml/2006/chart">
-            <c:chart xmlns:c="http://schemas.openxmlformats.org/drawingml/2006/chart" xmlns:r="http://schemas.openxmlformats.org/officeDocument/2006/relationships" r:id="rId2"/>
-          </a:graphicData>
-        </a:graphic>
-      </p:graphicFrame>
+        </p:nvPicPr>
+        <p:blipFill>
+          <a:blip r:embed="rId2">
+            <a:extLst>
+              <a:ext uri="{28A0092B-C50C-407E-A947-70E740481C1C}">
+                <a14:useLocalDpi xmlns:a14="http://schemas.microsoft.com/office/drawing/2010/main" val="0"/>
+              </a:ext>
+            </a:extLst>
+          </a:blip>
+          <a:stretch>
+            <a:fillRect/>
+          </a:stretch>
+        </p:blipFill>
+        <p:spPr>
+          <a:xfrm>
+            <a:off x="257175" y="3074058"/>
+            <a:ext cx="6343650" cy="709884"/>
+          </a:xfrm>
+        </p:spPr>
+      </p:pic>
     </p:spTree>
     <p:extLst>
       <p:ext uri="{BB962C8B-B14F-4D97-AF65-F5344CB8AC3E}">
-        <p14:creationId xmlns:p14="http://schemas.microsoft.com/office/powerpoint/2010/main" val="2692026902"/>
+        <p14:creationId xmlns:p14="http://schemas.microsoft.com/office/powerpoint/2010/main" val="904596387"/>
       </p:ext>
     </p:extLst>
   </p:cSld>
@@ -7445,6 +7438,40 @@
 <file path=ppt/slides/slide11.xml><?xml version="1.0" encoding="utf-8"?>
 <p:sld xmlns:a="http://schemas.openxmlformats.org/drawingml/2006/main" xmlns:r="http://schemas.openxmlformats.org/officeDocument/2006/relationships" xmlns:p="http://schemas.openxmlformats.org/presentationml/2006/main">
   <p:cSld>
+    <p:bg>
+      <p:bgPr>
+        <a:gradFill>
+          <a:gsLst>
+            <a:gs pos="0">
+              <a:schemeClr val="accent1">
+                <a:lumMod val="5000"/>
+                <a:lumOff val="95000"/>
+              </a:schemeClr>
+            </a:gs>
+            <a:gs pos="74000">
+              <a:schemeClr val="accent1">
+                <a:lumMod val="45000"/>
+                <a:lumOff val="55000"/>
+              </a:schemeClr>
+            </a:gs>
+            <a:gs pos="83000">
+              <a:schemeClr val="accent1">
+                <a:lumMod val="45000"/>
+                <a:lumOff val="55000"/>
+              </a:schemeClr>
+            </a:gs>
+            <a:gs pos="100000">
+              <a:schemeClr val="accent1">
+                <a:lumMod val="30000"/>
+                <a:lumOff val="70000"/>
+              </a:schemeClr>
+            </a:gs>
+          </a:gsLst>
+          <a:lin ang="5400000" scaled="1"/>
+        </a:gradFill>
+        <a:effectLst/>
+      </p:bgPr>
+    </p:bg>
     <p:spTree>
       <p:nvGrpSpPr>
         <p:cNvPr id="1" name=""/>
@@ -7461,42 +7488,10 @@
       </p:grpSpPr>
       <p:sp>
         <p:nvSpPr>
-          <p:cNvPr id="2" name="Tytuł 1">
-            <a:extLst>
-              <a:ext uri="{FF2B5EF4-FFF2-40B4-BE49-F238E27FC236}">
-                <a16:creationId xmlns:a16="http://schemas.microsoft.com/office/drawing/2014/main" id="{4256E769-37AB-4E92-8758-2074EB65B983}"/>
-              </a:ext>
-            </a:extLst>
-          </p:cNvPr>
-          <p:cNvSpPr>
-            <a:spLocks noGrp="1"/>
-          </p:cNvSpPr>
-          <p:nvPr>
-            <p:ph type="title"/>
-          </p:nvPr>
-        </p:nvSpPr>
-        <p:spPr/>
-        <p:txBody>
-          <a:bodyPr>
-            <a:normAutofit/>
-          </a:bodyPr>
-          <a:lstStyle/>
-          <a:p>
-            <a:pPr algn="ctr"/>
-            <a:r>
-              <a:rPr lang="pl-PL" sz="3200" b="1" dirty="0"/>
-              <a:t>Jak spisują się nasze sortowania w sytuacji randomowej</a:t>
-            </a:r>
-            <a:endParaRPr lang="pl-PL" sz="3200" dirty="0"/>
-          </a:p>
-        </p:txBody>
-      </p:sp>
-      <p:sp>
-        <p:nvSpPr>
           <p:cNvPr id="3" name="Symbol zastępczy zawartości 2">
             <a:extLst>
               <a:ext uri="{FF2B5EF4-FFF2-40B4-BE49-F238E27FC236}">
-                <a16:creationId xmlns:a16="http://schemas.microsoft.com/office/drawing/2014/main" id="{2909CC67-7571-44CE-892D-B54139039EA4}"/>
+                <a16:creationId xmlns:a16="http://schemas.microsoft.com/office/drawing/2014/main" id="{EC57A3E3-6B10-4552-9FB2-06B6FE3FE627}"/>
               </a:ext>
             </a:extLst>
           </p:cNvPr>
@@ -7516,66 +7511,57 @@
               <a:buNone/>
             </a:pPr>
             <a:r>
-              <a:rPr lang="pl-PL" dirty="0"/>
-              <a:t>Ponownie </a:t>
-            </a:r>
-            <a:r>
-              <a:rPr lang="pl-PL" dirty="0" err="1"/>
-              <a:t>algorithm</a:t>
-            </a:r>
-            <a:r>
-              <a:rPr lang="pl-PL" dirty="0"/>
-              <a:t> sort jest najszybszy, lecz widzimy, że zwolnił on trochę porównując do sytuacji  pesymistycznej, </a:t>
-            </a:r>
-            <a:r>
-              <a:rPr lang="pl-PL" dirty="0" err="1"/>
-              <a:t>bucket</a:t>
-            </a:r>
-            <a:r>
-              <a:rPr lang="pl-PL" dirty="0"/>
-              <a:t> sort znowu utrzymuje się na tym samym poziomie. </a:t>
-            </a:r>
-            <a:r>
-              <a:rPr lang="pl-PL" dirty="0" err="1"/>
-              <a:t>Bubble</a:t>
-            </a:r>
-            <a:r>
-              <a:rPr lang="pl-PL" dirty="0"/>
-              <a:t> ponownie najwolniejszy.</a:t>
-            </a:r>
+              <a:rPr lang="pl-PL" sz="2400" dirty="0"/>
+              <a:t>Wkładanie posortowanych kubełków do początkowej tablicy. Kolejnymi posortowanymi wiaderkami.</a:t>
+            </a:r>
+          </a:p>
+          <a:p>
+            <a:pPr marL="0" indent="0">
+              <a:buNone/>
+            </a:pPr>
+            <a:endParaRPr lang="pl-PL" dirty="0"/>
           </a:p>
         </p:txBody>
       </p:sp>
-      <p:graphicFrame>
-        <p:nvGraphicFramePr>
-          <p:cNvPr id="6" name="Symbol zastępczy zawartości 5">
-            <a:extLst>
-              <a:ext uri="{FF2B5EF4-FFF2-40B4-BE49-F238E27FC236}">
-                <a16:creationId xmlns:a16="http://schemas.microsoft.com/office/drawing/2014/main" id="{6B6A6AC1-BF6C-451A-89D3-0EE931B754BD}"/>
-              </a:ext>
-            </a:extLst>
-          </p:cNvPr>
-          <p:cNvGraphicFramePr>
-            <a:graphicFrameLocks noGrp="1"/>
-          </p:cNvGraphicFramePr>
+      <p:pic>
+        <p:nvPicPr>
+          <p:cNvPr id="6" name="Symbol zastępczy zawartości 5" descr="Obraz zawierający tekst, czarny&#10;&#10;Opis wygenerowany automatycznie">
+            <a:extLst>
+              <a:ext uri="{FF2B5EF4-FFF2-40B4-BE49-F238E27FC236}">
+                <a16:creationId xmlns:a16="http://schemas.microsoft.com/office/drawing/2014/main" id="{8F00EACE-DA9C-4E0F-A6D2-D1B8B0AC001B}"/>
+              </a:ext>
+            </a:extLst>
+          </p:cNvPr>
+          <p:cNvPicPr>
+            <a:picLocks noGrp="1" noChangeAspect="1"/>
+          </p:cNvPicPr>
           <p:nvPr>
             <p:ph sz="half" idx="2"/>
           </p:nvPr>
-        </p:nvGraphicFramePr>
-        <p:xfrm>
-          <a:off x="6172200" y="1825625"/>
-          <a:ext cx="5181600" cy="4351338"/>
-        </p:xfrm>
-        <a:graphic>
-          <a:graphicData uri="http://schemas.openxmlformats.org/drawingml/2006/chart">
-            <c:chart xmlns:c="http://schemas.openxmlformats.org/drawingml/2006/chart" xmlns:r="http://schemas.openxmlformats.org/officeDocument/2006/relationships" r:id="rId2"/>
-          </a:graphicData>
-        </a:graphic>
-      </p:graphicFrame>
+        </p:nvPicPr>
+        <p:blipFill>
+          <a:blip r:embed="rId2">
+            <a:extLst>
+              <a:ext uri="{28A0092B-C50C-407E-A947-70E740481C1C}">
+                <a14:useLocalDpi xmlns:a14="http://schemas.microsoft.com/office/drawing/2010/main" val="0"/>
+              </a:ext>
+            </a:extLst>
+          </a:blip>
+          <a:stretch>
+            <a:fillRect/>
+          </a:stretch>
+        </p:blipFill>
+        <p:spPr>
+          <a:xfrm>
+            <a:off x="381000" y="2981326"/>
+            <a:ext cx="8250008" cy="1445256"/>
+          </a:xfrm>
+        </p:spPr>
+      </p:pic>
     </p:spTree>
     <p:extLst>
       <p:ext uri="{BB962C8B-B14F-4D97-AF65-F5344CB8AC3E}">
-        <p14:creationId xmlns:p14="http://schemas.microsoft.com/office/powerpoint/2010/main" val="553648398"/>
+        <p14:creationId xmlns:p14="http://schemas.microsoft.com/office/powerpoint/2010/main" val="1040600120"/>
       </p:ext>
     </p:extLst>
   </p:cSld>
@@ -7638,10 +7624,10 @@
       </p:grpSpPr>
       <p:sp>
         <p:nvSpPr>
-          <p:cNvPr id="5" name="Tytuł 4">
-            <a:extLst>
-              <a:ext uri="{FF2B5EF4-FFF2-40B4-BE49-F238E27FC236}">
-                <a16:creationId xmlns:a16="http://schemas.microsoft.com/office/drawing/2014/main" id="{C95AA962-15B3-4B13-A411-A822047D80EC}"/>
+          <p:cNvPr id="2" name="Tytuł 1">
+            <a:extLst>
+              <a:ext uri="{FF2B5EF4-FFF2-40B4-BE49-F238E27FC236}">
+                <a16:creationId xmlns:a16="http://schemas.microsoft.com/office/drawing/2014/main" id="{17B7E2E1-E7D7-4E61-A089-8CE8525E7732}"/>
               </a:ext>
             </a:extLst>
           </p:cNvPr>
@@ -7659,18 +7645,22 @@
           <a:p>
             <a:pPr algn="ctr"/>
             <a:r>
+              <a:rPr lang="pl-PL" b="1" dirty="0" err="1"/>
+              <a:t>Algorithm</a:t>
+            </a:r>
+            <a:r>
               <a:rPr lang="pl-PL" b="1" dirty="0"/>
-              <a:t>Ostateczny wniosek</a:t>
+              <a:t> sort</a:t>
             </a:r>
           </a:p>
         </p:txBody>
       </p:sp>
       <p:sp>
         <p:nvSpPr>
-          <p:cNvPr id="6" name="Symbol zastępczy zawartości 5">
-            <a:extLst>
-              <a:ext uri="{FF2B5EF4-FFF2-40B4-BE49-F238E27FC236}">
-                <a16:creationId xmlns:a16="http://schemas.microsoft.com/office/drawing/2014/main" id="{101A5264-F760-41A2-9A17-21BF7FE1C5B0}"/>
+          <p:cNvPr id="5" name="Symbol zastępczy zawartości 4">
+            <a:extLst>
+              <a:ext uri="{FF2B5EF4-FFF2-40B4-BE49-F238E27FC236}">
+                <a16:creationId xmlns:a16="http://schemas.microsoft.com/office/drawing/2014/main" id="{28BB11EA-2F24-43B1-AF3C-E7A7193F3ADF}"/>
               </a:ext>
             </a:extLst>
           </p:cNvPr>
@@ -7690,16 +7680,8 @@
               <a:buNone/>
             </a:pPr>
             <a:r>
-              <a:rPr lang="pl-PL" dirty="0"/>
-              <a:t>-Tylko w sortowaniu przy sytuacji optymistycznej opłaca się nam użyć metody sortowania innej niż </a:t>
-            </a:r>
-            <a:r>
-              <a:rPr lang="pl-PL" dirty="0" err="1"/>
-              <a:t>algorithm</a:t>
-            </a:r>
-            <a:r>
-              <a:rPr lang="pl-PL" dirty="0"/>
-              <a:t>, mowa tu o insert sorcie. </a:t>
+              <a:rPr lang="pl-PL" sz="2400" dirty="0"/>
+              <a:t>(Tutaj zdjęcia nie będę wklejać bo wiadomo jak wygląda)</a:t>
             </a:r>
           </a:p>
           <a:p>
@@ -7707,57 +7689,207 @@
               <a:buNone/>
             </a:pPr>
             <a:r>
-              <a:rPr lang="pl-PL" dirty="0"/>
-              <a:t>-Natomiast, jeśli nie możemy użyć </a:t>
-            </a:r>
-            <a:r>
-              <a:rPr lang="pl-PL" dirty="0" err="1"/>
-              <a:t>algorithm</a:t>
-            </a:r>
-            <a:r>
-              <a:rPr lang="pl-PL" dirty="0"/>
-              <a:t>, a mamy dużą ilość elementów do posortowania warto użyć </a:t>
-            </a:r>
-            <a:r>
-              <a:rPr lang="pl-PL" dirty="0" err="1"/>
-              <a:t>bucket</a:t>
-            </a:r>
-            <a:r>
-              <a:rPr lang="pl-PL" dirty="0"/>
-              <a:t> sort. </a:t>
-            </a:r>
+              <a:rPr kumimoji="0" lang="pl-PL" altLang="pl-PL" sz="2400" b="0" i="0" u="none" strike="noStrike" cap="none" normalizeH="0" baseline="0" dirty="0">
+                <a:ln>
+                  <a:noFill/>
+                </a:ln>
+                <a:solidFill>
+                  <a:schemeClr val="tx1"/>
+                </a:solidFill>
+                <a:effectLst/>
+                <a:latin typeface="Arial Unicode MS"/>
+              </a:rPr>
+              <a:t>Algorytm używany przez sort () to </a:t>
+            </a:r>
+            <a:r>
+              <a:rPr kumimoji="0" lang="pl-PL" altLang="pl-PL" sz="2400" b="0" i="0" u="none" strike="noStrike" cap="none" normalizeH="0" baseline="0" dirty="0" err="1">
+                <a:ln>
+                  <a:noFill/>
+                </a:ln>
+                <a:solidFill>
+                  <a:schemeClr val="tx1"/>
+                </a:solidFill>
+                <a:effectLst/>
+                <a:latin typeface="Arial Unicode MS"/>
+              </a:rPr>
+              <a:t>IntroSort</a:t>
+            </a:r>
+            <a:r>
+              <a:rPr kumimoji="0" lang="pl-PL" altLang="pl-PL" sz="2400" b="0" i="0" u="none" strike="noStrike" cap="none" normalizeH="0" baseline="0" dirty="0">
+                <a:ln>
+                  <a:noFill/>
+                </a:ln>
+                <a:solidFill>
+                  <a:schemeClr val="tx1"/>
+                </a:solidFill>
+                <a:effectLst/>
+                <a:latin typeface="Arial Unicode MS"/>
+              </a:rPr>
+              <a:t>. </a:t>
+            </a:r>
+            <a:r>
+              <a:rPr kumimoji="0" lang="pl-PL" altLang="pl-PL" sz="2400" b="0" i="0" u="none" strike="noStrike" cap="none" normalizeH="0" baseline="0" dirty="0" err="1">
+                <a:ln>
+                  <a:noFill/>
+                </a:ln>
+                <a:solidFill>
+                  <a:schemeClr val="tx1"/>
+                </a:solidFill>
+                <a:effectLst/>
+                <a:latin typeface="Arial Unicode MS"/>
+              </a:rPr>
+              <a:t>Introsort</a:t>
+            </a:r>
+            <a:r>
+              <a:rPr kumimoji="0" lang="pl-PL" altLang="pl-PL" sz="2400" b="0" i="0" u="none" strike="noStrike" cap="none" normalizeH="0" baseline="0" dirty="0">
+                <a:ln>
+                  <a:noFill/>
+                </a:ln>
+                <a:solidFill>
+                  <a:schemeClr val="tx1"/>
+                </a:solidFill>
+                <a:effectLst/>
+                <a:latin typeface="Arial Unicode MS"/>
+              </a:rPr>
+              <a:t>, będący hybrydowym algorytmem sortowania, wykorzystuje trzy algorytmy sortowania, aby zminimalizować czas działania, </a:t>
+            </a:r>
+            <a:r>
+              <a:rPr kumimoji="0" lang="pl-PL" altLang="pl-PL" sz="2400" b="0" i="0" u="none" strike="noStrike" cap="none" normalizeH="0" baseline="0" dirty="0" err="1">
+                <a:ln>
+                  <a:noFill/>
+                </a:ln>
+                <a:solidFill>
+                  <a:schemeClr val="tx1"/>
+                </a:solidFill>
+                <a:effectLst/>
+                <a:latin typeface="Arial Unicode MS"/>
+              </a:rPr>
+              <a:t>Quicksort</a:t>
+            </a:r>
+            <a:r>
+              <a:rPr kumimoji="0" lang="pl-PL" altLang="pl-PL" sz="2400" b="0" i="0" u="none" strike="noStrike" cap="none" normalizeH="0" baseline="0" dirty="0">
+                <a:ln>
+                  <a:noFill/>
+                </a:ln>
+                <a:solidFill>
+                  <a:schemeClr val="tx1"/>
+                </a:solidFill>
+                <a:effectLst/>
+                <a:latin typeface="Arial Unicode MS"/>
+              </a:rPr>
+              <a:t>, </a:t>
+            </a:r>
+            <a:r>
+              <a:rPr kumimoji="0" lang="pl-PL" altLang="pl-PL" sz="2400" b="0" i="0" u="none" strike="noStrike" cap="none" normalizeH="0" baseline="0" dirty="0" err="1">
+                <a:ln>
+                  <a:noFill/>
+                </a:ln>
+                <a:solidFill>
+                  <a:schemeClr val="tx1"/>
+                </a:solidFill>
+                <a:effectLst/>
+                <a:latin typeface="Arial Unicode MS"/>
+              </a:rPr>
+              <a:t>Heapsort</a:t>
+            </a:r>
+            <a:r>
+              <a:rPr kumimoji="0" lang="pl-PL" altLang="pl-PL" sz="2400" b="0" i="0" u="none" strike="noStrike" cap="none" normalizeH="0" baseline="0" dirty="0">
+                <a:ln>
+                  <a:noFill/>
+                </a:ln>
+                <a:solidFill>
+                  <a:schemeClr val="tx1"/>
+                </a:solidFill>
+                <a:effectLst/>
+                <a:latin typeface="Arial Unicode MS"/>
+              </a:rPr>
+              <a:t> i </a:t>
+            </a:r>
+            <a:r>
+              <a:rPr kumimoji="0" lang="pl-PL" altLang="pl-PL" sz="2400" b="0" i="0" u="none" strike="noStrike" cap="none" normalizeH="0" baseline="0" dirty="0" err="1">
+                <a:ln>
+                  <a:noFill/>
+                </a:ln>
+                <a:solidFill>
+                  <a:schemeClr val="tx1"/>
+                </a:solidFill>
+                <a:effectLst/>
+                <a:latin typeface="Arial Unicode MS"/>
+              </a:rPr>
+              <a:t>Insertion</a:t>
+            </a:r>
+            <a:r>
+              <a:rPr kumimoji="0" lang="pl-PL" altLang="pl-PL" sz="2400" b="0" i="0" u="none" strike="noStrike" cap="none" normalizeH="0" baseline="0" dirty="0">
+                <a:ln>
+                  <a:noFill/>
+                </a:ln>
+                <a:solidFill>
+                  <a:schemeClr val="tx1"/>
+                </a:solidFill>
+                <a:effectLst/>
+                <a:latin typeface="Arial Unicode MS"/>
+              </a:rPr>
+              <a:t> Sort. Mówiąc najprościej, jest to najlepszy dostępny algorytm sortowania. Jest to algorytm sortowania hybrydowego, co oznacza, że ​​używa więcej niż jednego algorytmu sortowania jako rutyny.</a:t>
+            </a:r>
+            <a:r>
+              <a:rPr kumimoji="0" lang="pl-PL" altLang="pl-PL" sz="2400" b="0" i="0" u="none" strike="noStrike" cap="none" normalizeH="0" baseline="0" dirty="0">
+                <a:ln>
+                  <a:noFill/>
+                </a:ln>
+                <a:solidFill>
+                  <a:schemeClr val="tx1"/>
+                </a:solidFill>
+                <a:effectLst/>
+              </a:rPr>
+              <a:t> </a:t>
+            </a:r>
+            <a:endParaRPr kumimoji="0" lang="pl-PL" altLang="pl-PL" sz="2400" b="0" i="0" u="none" strike="noStrike" cap="none" normalizeH="0" baseline="0" dirty="0">
+              <a:ln>
+                <a:noFill/>
+              </a:ln>
+              <a:solidFill>
+                <a:schemeClr val="tx1"/>
+              </a:solidFill>
+              <a:effectLst/>
+              <a:latin typeface="Arial" panose="020B0604020202020204" pitchFamily="34" charset="0"/>
+            </a:endParaRPr>
           </a:p>
           <a:p>
             <a:pPr marL="0" indent="0">
               <a:buNone/>
             </a:pPr>
-            <a:r>
-              <a:rPr lang="pl-PL" dirty="0"/>
-              <a:t>-W sytuacji gdzie mamy małą ilość elementów i nie chcemy użyć </a:t>
-            </a:r>
-            <a:r>
-              <a:rPr lang="pl-PL" dirty="0" err="1"/>
-              <a:t>algorithm</a:t>
-            </a:r>
-            <a:r>
-              <a:rPr lang="pl-PL" dirty="0"/>
-              <a:t> opłaca się każdej innej metody sortowania oprócz </a:t>
-            </a:r>
-            <a:r>
-              <a:rPr lang="pl-PL" dirty="0" err="1"/>
-              <a:t>bucket</a:t>
-            </a:r>
-            <a:r>
-              <a:rPr lang="pl-PL" dirty="0"/>
-              <a:t> sort.</a:t>
-            </a:r>
+            <a:endParaRPr lang="pl-PL" dirty="0"/>
+          </a:p>
+          <a:p>
+            <a:pPr marL="0" indent="0">
+              <a:buNone/>
+            </a:pPr>
+            <a:endParaRPr lang="pl-PL" dirty="0"/>
+          </a:p>
+          <a:p>
+            <a:pPr marL="0" indent="0">
+              <a:buNone/>
+            </a:pPr>
+            <a:endParaRPr lang="pl-PL" dirty="0"/>
+          </a:p>
+          <a:p>
+            <a:pPr marL="0" indent="0">
+              <a:buNone/>
+            </a:pPr>
+            <a:endParaRPr lang="pl-PL" dirty="0"/>
+          </a:p>
+          <a:p>
+            <a:pPr marL="0" indent="0">
+              <a:buNone/>
+            </a:pPr>
+            <a:endParaRPr lang="pl-PL" dirty="0"/>
           </a:p>
         </p:txBody>
       </p:sp>
     </p:spTree>
     <p:extLst>
       <p:ext uri="{BB962C8B-B14F-4D97-AF65-F5344CB8AC3E}">
-        <p14:creationId xmlns:p14="http://schemas.microsoft.com/office/powerpoint/2010/main" val="1765588210"/>
+        <p14:creationId xmlns:p14="http://schemas.microsoft.com/office/powerpoint/2010/main" val="243236744"/>
       </p:ext>
     </p:extLst>
   </p:cSld>
@@ -7820,10 +7952,10 @@
       </p:grpSpPr>
       <p:sp>
         <p:nvSpPr>
-          <p:cNvPr id="4" name="Tytuł 3">
-            <a:extLst>
-              <a:ext uri="{FF2B5EF4-FFF2-40B4-BE49-F238E27FC236}">
-                <a16:creationId xmlns:a16="http://schemas.microsoft.com/office/drawing/2014/main" id="{A4324BD0-27E5-438A-B782-209B4041846A}"/>
+          <p:cNvPr id="2" name="Tytuł 1">
+            <a:extLst>
+              <a:ext uri="{FF2B5EF4-FFF2-40B4-BE49-F238E27FC236}">
+                <a16:creationId xmlns:a16="http://schemas.microsoft.com/office/drawing/2014/main" id="{EA360555-B164-4B0D-AFA3-CE1AC5D15A22}"/>
               </a:ext>
             </a:extLst>
           </p:cNvPr>
@@ -7839,19 +7971,20 @@
           <a:bodyPr/>
           <a:lstStyle/>
           <a:p>
-            <a:r>
-              <a:rPr lang="pl-PL" dirty="0"/>
-              <a:t>Dziękuję za Uwagę </a:t>
+            <a:pPr algn="ctr"/>
+            <a:r>
+              <a:rPr lang="pl-PL" b="1" dirty="0"/>
+              <a:t>Żeby ładnie wyglądało</a:t>
             </a:r>
           </a:p>
         </p:txBody>
       </p:sp>
       <p:sp>
         <p:nvSpPr>
-          <p:cNvPr id="5" name="Symbol zastępczy tekstu 4">
-            <a:extLst>
-              <a:ext uri="{FF2B5EF4-FFF2-40B4-BE49-F238E27FC236}">
-                <a16:creationId xmlns:a16="http://schemas.microsoft.com/office/drawing/2014/main" id="{F6C752DD-E07B-4A64-B128-360ADA059164}"/>
+          <p:cNvPr id="3" name="Symbol zastępczy zawartości 2">
+            <a:extLst>
+              <a:ext uri="{FF2B5EF4-FFF2-40B4-BE49-F238E27FC236}">
+                <a16:creationId xmlns:a16="http://schemas.microsoft.com/office/drawing/2014/main" id="{F45D894C-B0F4-4F3E-A92D-C8C7EEDCA4E5}"/>
               </a:ext>
             </a:extLst>
           </p:cNvPr>
@@ -7859,7 +7992,152 @@
             <a:spLocks noGrp="1"/>
           </p:cNvSpPr>
           <p:nvPr>
-            <p:ph type="body" idx="1"/>
+            <p:ph sz="half" idx="1"/>
+          </p:nvPr>
+        </p:nvSpPr>
+        <p:spPr>
+          <a:xfrm>
+            <a:off x="838199" y="1825625"/>
+            <a:ext cx="10753725" cy="2412606"/>
+          </a:xfrm>
+        </p:spPr>
+        <p:txBody>
+          <a:bodyPr>
+            <a:normAutofit/>
+          </a:bodyPr>
+          <a:lstStyle/>
+          <a:p>
+            <a:pPr marL="0" indent="0">
+              <a:buNone/>
+            </a:pPr>
+            <a:r>
+              <a:rPr lang="pl-PL" sz="2400" dirty="0"/>
+              <a:t>Mimo tego, że całość danych zwracam do pliku, tworzę dwie tablicę z nazwami by łatwiej zorientować się co się dzieje z programem w czasie jego trwania (wspominam o tym tylko po to by uniknąć niejasności w pewnym momencie </a:t>
+            </a:r>
+            <a:r>
+              <a:rPr lang="pl-PL" sz="2400" dirty="0" err="1"/>
+              <a:t>maina</a:t>
+            </a:r>
+            <a:r>
+              <a:rPr lang="pl-PL" sz="2400" dirty="0"/>
+              <a:t>)</a:t>
+            </a:r>
+          </a:p>
+        </p:txBody>
+      </p:sp>
+      <p:pic>
+        <p:nvPicPr>
+          <p:cNvPr id="6" name="Symbol zastępczy zawartości 5" descr="Obraz zawierający tekst&#10;&#10;Opis wygenerowany automatycznie">
+            <a:extLst>
+              <a:ext uri="{FF2B5EF4-FFF2-40B4-BE49-F238E27FC236}">
+                <a16:creationId xmlns:a16="http://schemas.microsoft.com/office/drawing/2014/main" id="{9E75887B-AE53-4213-B3A0-D57ECE97538A}"/>
+              </a:ext>
+            </a:extLst>
+          </p:cNvPr>
+          <p:cNvPicPr>
+            <a:picLocks noGrp="1" noChangeAspect="1"/>
+          </p:cNvPicPr>
+          <p:nvPr>
+            <p:ph sz="half" idx="2"/>
+          </p:nvPr>
+        </p:nvPicPr>
+        <p:blipFill>
+          <a:blip r:embed="rId2">
+            <a:extLst>
+              <a:ext uri="{28A0092B-C50C-407E-A947-70E740481C1C}">
+                <a14:useLocalDpi xmlns:a14="http://schemas.microsoft.com/office/drawing/2010/main" val="0"/>
+              </a:ext>
+            </a:extLst>
+          </a:blip>
+          <a:stretch>
+            <a:fillRect/>
+          </a:stretch>
+        </p:blipFill>
+        <p:spPr>
+          <a:xfrm>
+            <a:off x="0" y="4445394"/>
+            <a:ext cx="12211048" cy="2412606"/>
+          </a:xfrm>
+        </p:spPr>
+      </p:pic>
+    </p:spTree>
+    <p:extLst>
+      <p:ext uri="{BB962C8B-B14F-4D97-AF65-F5344CB8AC3E}">
+        <p14:creationId xmlns:p14="http://schemas.microsoft.com/office/powerpoint/2010/main" val="3662695824"/>
+      </p:ext>
+    </p:extLst>
+  </p:cSld>
+  <p:clrMapOvr>
+    <a:masterClrMapping/>
+  </p:clrMapOvr>
+</p:sld>
+</file>
+
+<file path=ppt/slides/slide14.xml><?xml version="1.0" encoding="utf-8"?>
+<p:sld xmlns:a="http://schemas.openxmlformats.org/drawingml/2006/main" xmlns:r="http://schemas.openxmlformats.org/officeDocument/2006/relationships" xmlns:p="http://schemas.openxmlformats.org/presentationml/2006/main">
+  <p:cSld>
+    <p:bg>
+      <p:bgPr>
+        <a:gradFill>
+          <a:gsLst>
+            <a:gs pos="0">
+              <a:schemeClr val="accent1">
+                <a:lumMod val="5000"/>
+                <a:lumOff val="95000"/>
+              </a:schemeClr>
+            </a:gs>
+            <a:gs pos="74000">
+              <a:schemeClr val="accent1">
+                <a:lumMod val="45000"/>
+                <a:lumOff val="55000"/>
+              </a:schemeClr>
+            </a:gs>
+            <a:gs pos="83000">
+              <a:schemeClr val="accent1">
+                <a:lumMod val="45000"/>
+                <a:lumOff val="55000"/>
+              </a:schemeClr>
+            </a:gs>
+            <a:gs pos="100000">
+              <a:schemeClr val="accent1">
+                <a:lumMod val="30000"/>
+                <a:lumOff val="70000"/>
+              </a:schemeClr>
+            </a:gs>
+          </a:gsLst>
+          <a:lin ang="5400000" scaled="1"/>
+        </a:gradFill>
+        <a:effectLst/>
+      </p:bgPr>
+    </p:bg>
+    <p:spTree>
+      <p:nvGrpSpPr>
+        <p:cNvPr id="1" name=""/>
+        <p:cNvGrpSpPr/>
+        <p:nvPr/>
+      </p:nvGrpSpPr>
+      <p:grpSpPr>
+        <a:xfrm>
+          <a:off x="0" y="0"/>
+          <a:ext cx="0" cy="0"/>
+          <a:chOff x="0" y="0"/>
+          <a:chExt cx="0" cy="0"/>
+        </a:xfrm>
+      </p:grpSpPr>
+      <p:sp>
+        <p:nvSpPr>
+          <p:cNvPr id="2" name="Tytuł 1">
+            <a:extLst>
+              <a:ext uri="{FF2B5EF4-FFF2-40B4-BE49-F238E27FC236}">
+                <a16:creationId xmlns:a16="http://schemas.microsoft.com/office/drawing/2014/main" id="{3EA2784B-EAED-4B4B-8725-B1105E6ECAE6}"/>
+              </a:ext>
+            </a:extLst>
+          </p:cNvPr>
+          <p:cNvSpPr>
+            <a:spLocks noGrp="1"/>
+          </p:cNvSpPr>
+          <p:nvPr>
+            <p:ph type="title"/>
           </p:nvPr>
         </p:nvSpPr>
         <p:spPr/>
@@ -7867,13 +8145,923 @@
           <a:bodyPr/>
           <a:lstStyle/>
           <a:p>
-            <a:r>
-              <a:rPr lang="pl-PL" dirty="0">
-                <a:solidFill>
-                  <a:schemeClr val="tx1"/>
-                </a:solidFill>
-              </a:rPr>
-              <a:t>Wyk. Artur Binczyk</a:t>
+            <a:pPr algn="ctr"/>
+            <a:r>
+              <a:rPr lang="pl-PL" b="1" dirty="0"/>
+              <a:t>Najważniejsze</a:t>
+            </a:r>
+          </a:p>
+        </p:txBody>
+      </p:sp>
+      <p:sp>
+        <p:nvSpPr>
+          <p:cNvPr id="3" name="Symbol zastępczy zawartości 2">
+            <a:extLst>
+              <a:ext uri="{FF2B5EF4-FFF2-40B4-BE49-F238E27FC236}">
+                <a16:creationId xmlns:a16="http://schemas.microsoft.com/office/drawing/2014/main" id="{A811E98B-9E68-4CA5-8975-E26E4F58A7D0}"/>
+              </a:ext>
+            </a:extLst>
+          </p:cNvPr>
+          <p:cNvSpPr>
+            <a:spLocks noGrp="1"/>
+          </p:cNvSpPr>
+          <p:nvPr>
+            <p:ph sz="half" idx="1"/>
+          </p:nvPr>
+        </p:nvSpPr>
+        <p:spPr/>
+        <p:txBody>
+          <a:bodyPr>
+            <a:normAutofit/>
+          </a:bodyPr>
+          <a:lstStyle/>
+          <a:p>
+            <a:pPr marL="0" indent="0">
+              <a:buNone/>
+            </a:pPr>
+            <a:r>
+              <a:rPr lang="pl-PL" sz="2400" dirty="0"/>
+              <a:t>Na początek tworzę jedną tablicę o nazwie rozmiary, która jak sama nazwa mówi przechowuje rozmiary. </a:t>
+            </a:r>
+          </a:p>
+          <a:p>
+            <a:pPr marL="0" indent="0">
+              <a:buNone/>
+            </a:pPr>
+            <a:r>
+              <a:rPr lang="pl-PL" sz="2400" dirty="0"/>
+              <a:t>Następnie tworzę 2 tablice wskaźników do funkcji. Pierwsza tablica zawiera wskaźniki do funkcji sortujących, druga do funkcji wypełniających.</a:t>
+            </a:r>
+          </a:p>
+        </p:txBody>
+      </p:sp>
+      <p:pic>
+        <p:nvPicPr>
+          <p:cNvPr id="15" name="Symbol zastępczy zawartości 14" descr="Obraz zawierający tekst&#10;&#10;Opis wygenerowany automatycznie">
+            <a:extLst>
+              <a:ext uri="{FF2B5EF4-FFF2-40B4-BE49-F238E27FC236}">
+                <a16:creationId xmlns:a16="http://schemas.microsoft.com/office/drawing/2014/main" id="{DC90D144-B2B0-435F-927F-723119B32279}"/>
+              </a:ext>
+            </a:extLst>
+          </p:cNvPr>
+          <p:cNvPicPr>
+            <a:picLocks noGrp="1" noChangeAspect="1"/>
+          </p:cNvPicPr>
+          <p:nvPr>
+            <p:ph sz="half" idx="2"/>
+          </p:nvPr>
+        </p:nvPicPr>
+        <p:blipFill>
+          <a:blip r:embed="rId2">
+            <a:extLst>
+              <a:ext uri="{28A0092B-C50C-407E-A947-70E740481C1C}">
+                <a14:useLocalDpi xmlns:a14="http://schemas.microsoft.com/office/drawing/2010/main" val="0"/>
+              </a:ext>
+            </a:extLst>
+          </a:blip>
+          <a:stretch>
+            <a:fillRect/>
+          </a:stretch>
+        </p:blipFill>
+        <p:spPr>
+          <a:xfrm>
+            <a:off x="6348075" y="2028826"/>
+            <a:ext cx="5804896" cy="3377602"/>
+          </a:xfrm>
+        </p:spPr>
+      </p:pic>
+    </p:spTree>
+    <p:extLst>
+      <p:ext uri="{BB962C8B-B14F-4D97-AF65-F5344CB8AC3E}">
+        <p14:creationId xmlns:p14="http://schemas.microsoft.com/office/powerpoint/2010/main" val="3033538800"/>
+      </p:ext>
+    </p:extLst>
+  </p:cSld>
+  <p:clrMapOvr>
+    <a:masterClrMapping/>
+  </p:clrMapOvr>
+</p:sld>
+</file>
+
+<file path=ppt/slides/slide15.xml><?xml version="1.0" encoding="utf-8"?>
+<p:sld xmlns:a="http://schemas.openxmlformats.org/drawingml/2006/main" xmlns:r="http://schemas.openxmlformats.org/officeDocument/2006/relationships" xmlns:p="http://schemas.openxmlformats.org/presentationml/2006/main">
+  <p:cSld>
+    <p:bg>
+      <p:bgPr>
+        <a:gradFill>
+          <a:gsLst>
+            <a:gs pos="0">
+              <a:schemeClr val="accent1">
+                <a:lumMod val="5000"/>
+                <a:lumOff val="95000"/>
+              </a:schemeClr>
+            </a:gs>
+            <a:gs pos="74000">
+              <a:schemeClr val="accent1">
+                <a:lumMod val="45000"/>
+                <a:lumOff val="55000"/>
+              </a:schemeClr>
+            </a:gs>
+            <a:gs pos="83000">
+              <a:schemeClr val="accent1">
+                <a:lumMod val="45000"/>
+                <a:lumOff val="55000"/>
+              </a:schemeClr>
+            </a:gs>
+            <a:gs pos="100000">
+              <a:schemeClr val="accent1">
+                <a:lumMod val="30000"/>
+                <a:lumOff val="70000"/>
+              </a:schemeClr>
+            </a:gs>
+          </a:gsLst>
+          <a:lin ang="5400000" scaled="1"/>
+        </a:gradFill>
+        <a:effectLst/>
+      </p:bgPr>
+    </p:bg>
+    <p:spTree>
+      <p:nvGrpSpPr>
+        <p:cNvPr id="1" name=""/>
+        <p:cNvGrpSpPr/>
+        <p:nvPr/>
+      </p:nvGrpSpPr>
+      <p:grpSpPr>
+        <a:xfrm>
+          <a:off x="0" y="0"/>
+          <a:ext cx="0" cy="0"/>
+          <a:chOff x="0" y="0"/>
+          <a:chExt cx="0" cy="0"/>
+        </a:xfrm>
+      </p:grpSpPr>
+      <p:sp>
+        <p:nvSpPr>
+          <p:cNvPr id="2" name="Tytuł 1">
+            <a:extLst>
+              <a:ext uri="{FF2B5EF4-FFF2-40B4-BE49-F238E27FC236}">
+                <a16:creationId xmlns:a16="http://schemas.microsoft.com/office/drawing/2014/main" id="{070B0D53-98B5-4FCE-BE24-F4A000F8F5DE}"/>
+              </a:ext>
+            </a:extLst>
+          </p:cNvPr>
+          <p:cNvSpPr>
+            <a:spLocks noGrp="1"/>
+          </p:cNvSpPr>
+          <p:nvPr>
+            <p:ph type="title"/>
+          </p:nvPr>
+        </p:nvSpPr>
+        <p:spPr/>
+        <p:txBody>
+          <a:bodyPr/>
+          <a:lstStyle/>
+          <a:p>
+            <a:pPr algn="ctr"/>
+            <a:r>
+              <a:rPr lang="pl-PL" b="1" dirty="0"/>
+              <a:t>Jak wywoływane są funkcję?</a:t>
+            </a:r>
+          </a:p>
+        </p:txBody>
+      </p:sp>
+      <p:sp>
+        <p:nvSpPr>
+          <p:cNvPr id="3" name="Symbol zastępczy zawartości 2">
+            <a:extLst>
+              <a:ext uri="{FF2B5EF4-FFF2-40B4-BE49-F238E27FC236}">
+                <a16:creationId xmlns:a16="http://schemas.microsoft.com/office/drawing/2014/main" id="{922AB646-8467-41EF-991F-47114C317230}"/>
+              </a:ext>
+            </a:extLst>
+          </p:cNvPr>
+          <p:cNvSpPr>
+            <a:spLocks noGrp="1"/>
+          </p:cNvSpPr>
+          <p:nvPr>
+            <p:ph sz="half" idx="1"/>
+          </p:nvPr>
+        </p:nvSpPr>
+        <p:spPr/>
+        <p:txBody>
+          <a:bodyPr>
+            <a:normAutofit/>
+          </a:bodyPr>
+          <a:lstStyle/>
+          <a:p>
+            <a:pPr marL="0" indent="0">
+              <a:buNone/>
+            </a:pPr>
+            <a:r>
+              <a:rPr lang="pl-PL" sz="2400" dirty="0"/>
+              <a:t>Jak widzimy mamy tu 3 pętle typu for w których ta pierwsza odpowiada za sposób wypełniania używany w danym czasie, druga za rozmiar tabeli na, którym aktualnie przeprowadzamy testy, a trzecia za sposób sortowania którego aktualnie używamy.</a:t>
+            </a:r>
+          </a:p>
+        </p:txBody>
+      </p:sp>
+      <p:pic>
+        <p:nvPicPr>
+          <p:cNvPr id="6" name="Symbol zastępczy zawartości 5" descr="Obraz zawierający tekst&#10;&#10;Opis wygenerowany automatycznie">
+            <a:extLst>
+              <a:ext uri="{FF2B5EF4-FFF2-40B4-BE49-F238E27FC236}">
+                <a16:creationId xmlns:a16="http://schemas.microsoft.com/office/drawing/2014/main" id="{09151976-3100-4F1C-B74E-F1C26864CDB1}"/>
+              </a:ext>
+            </a:extLst>
+          </p:cNvPr>
+          <p:cNvPicPr>
+            <a:picLocks noGrp="1" noChangeAspect="1"/>
+          </p:cNvPicPr>
+          <p:nvPr>
+            <p:ph sz="half" idx="2"/>
+          </p:nvPr>
+        </p:nvPicPr>
+        <p:blipFill>
+          <a:blip r:embed="rId2">
+            <a:extLst>
+              <a:ext uri="{28A0092B-C50C-407E-A947-70E740481C1C}">
+                <a14:useLocalDpi xmlns:a14="http://schemas.microsoft.com/office/drawing/2010/main" val="0"/>
+              </a:ext>
+            </a:extLst>
+          </a:blip>
+          <a:stretch>
+            <a:fillRect/>
+          </a:stretch>
+        </p:blipFill>
+        <p:spPr>
+          <a:xfrm>
+            <a:off x="6172200" y="2054928"/>
+            <a:ext cx="5181600" cy="3892731"/>
+          </a:xfrm>
+        </p:spPr>
+      </p:pic>
+    </p:spTree>
+    <p:extLst>
+      <p:ext uri="{BB962C8B-B14F-4D97-AF65-F5344CB8AC3E}">
+        <p14:creationId xmlns:p14="http://schemas.microsoft.com/office/powerpoint/2010/main" val="893105474"/>
+      </p:ext>
+    </p:extLst>
+  </p:cSld>
+  <p:clrMapOvr>
+    <a:masterClrMapping/>
+  </p:clrMapOvr>
+</p:sld>
+</file>
+
+<file path=ppt/slides/slide16.xml><?xml version="1.0" encoding="utf-8"?>
+<p:sld xmlns:a="http://schemas.openxmlformats.org/drawingml/2006/main" xmlns:r="http://schemas.openxmlformats.org/officeDocument/2006/relationships" xmlns:p="http://schemas.openxmlformats.org/presentationml/2006/main">
+  <p:cSld>
+    <p:spTree>
+      <p:nvGrpSpPr>
+        <p:cNvPr id="1" name=""/>
+        <p:cNvGrpSpPr/>
+        <p:nvPr/>
+      </p:nvGrpSpPr>
+      <p:grpSpPr>
+        <a:xfrm>
+          <a:off x="0" y="0"/>
+          <a:ext cx="0" cy="0"/>
+          <a:chOff x="0" y="0"/>
+          <a:chExt cx="0" cy="0"/>
+        </a:xfrm>
+      </p:grpSpPr>
+      <p:sp>
+        <p:nvSpPr>
+          <p:cNvPr id="2" name="Tytuł 1">
+            <a:extLst>
+              <a:ext uri="{FF2B5EF4-FFF2-40B4-BE49-F238E27FC236}">
+                <a16:creationId xmlns:a16="http://schemas.microsoft.com/office/drawing/2014/main" id="{995A51BE-373F-48A4-A0E3-828672F9A365}"/>
+              </a:ext>
+            </a:extLst>
+          </p:cNvPr>
+          <p:cNvSpPr>
+            <a:spLocks noGrp="1"/>
+          </p:cNvSpPr>
+          <p:nvPr>
+            <p:ph type="title"/>
+          </p:nvPr>
+        </p:nvSpPr>
+        <p:spPr/>
+        <p:txBody>
+          <a:bodyPr>
+            <a:normAutofit/>
+          </a:bodyPr>
+          <a:lstStyle/>
+          <a:p>
+            <a:pPr algn="ctr"/>
+            <a:r>
+              <a:rPr lang="pl-PL" sz="3200" b="1" dirty="0"/>
+              <a:t>Jak spisują się nasze sortowania w sytuacji optymistycznej</a:t>
+            </a:r>
+          </a:p>
+        </p:txBody>
+      </p:sp>
+      <p:sp>
+        <p:nvSpPr>
+          <p:cNvPr id="3" name="Symbol zastępczy zawartości 2">
+            <a:extLst>
+              <a:ext uri="{FF2B5EF4-FFF2-40B4-BE49-F238E27FC236}">
+                <a16:creationId xmlns:a16="http://schemas.microsoft.com/office/drawing/2014/main" id="{D1D5FB06-0BCC-4837-88BD-1F79710C0EA8}"/>
+              </a:ext>
+            </a:extLst>
+          </p:cNvPr>
+          <p:cNvSpPr>
+            <a:spLocks noGrp="1"/>
+          </p:cNvSpPr>
+          <p:nvPr>
+            <p:ph sz="half" idx="1"/>
+          </p:nvPr>
+        </p:nvSpPr>
+        <p:spPr/>
+        <p:txBody>
+          <a:bodyPr>
+            <a:normAutofit/>
+          </a:bodyPr>
+          <a:lstStyle/>
+          <a:p>
+            <a:pPr marL="0" indent="0">
+              <a:buNone/>
+            </a:pPr>
+            <a:r>
+              <a:rPr lang="pl-PL" sz="2400" dirty="0"/>
+              <a:t>Jak widać na wykresie w sytuacji optymistycznej  insert sort jest najszybszym sposobem sortowania, najwolniejszymi są </a:t>
+            </a:r>
+            <a:r>
+              <a:rPr lang="pl-PL" sz="2400" dirty="0" err="1"/>
+              <a:t>bubble</a:t>
+            </a:r>
+            <a:r>
+              <a:rPr lang="pl-PL" sz="2400" dirty="0"/>
+              <a:t> sort i </a:t>
+            </a:r>
+            <a:r>
+              <a:rPr lang="pl-PL" sz="2400" dirty="0" err="1"/>
+              <a:t>selection</a:t>
+            </a:r>
+            <a:r>
+              <a:rPr lang="pl-PL" sz="2400" dirty="0"/>
+              <a:t> sort. Widać także, że na szybkość </a:t>
+            </a:r>
+            <a:r>
+              <a:rPr lang="pl-PL" sz="2400" dirty="0" err="1"/>
+              <a:t>bubble</a:t>
+            </a:r>
+            <a:r>
+              <a:rPr lang="pl-PL" sz="2400" dirty="0"/>
+              <a:t> sort i </a:t>
+            </a:r>
+            <a:r>
+              <a:rPr lang="pl-PL" sz="2400" dirty="0" err="1"/>
+              <a:t>selection</a:t>
+            </a:r>
+            <a:r>
+              <a:rPr lang="pl-PL" sz="2400" dirty="0"/>
+              <a:t> sort spory wpływ ma ilość elementów w tablicy (będzie się to powtarzać w każdej innej sytuacji)</a:t>
+            </a:r>
+          </a:p>
+          <a:p>
+            <a:pPr marL="0" indent="0">
+              <a:buNone/>
+            </a:pPr>
+            <a:r>
+              <a:rPr lang="pl-PL" sz="2400" dirty="0"/>
+              <a:t>(tło białe by lepiej było widać wykres)</a:t>
+            </a:r>
+          </a:p>
+        </p:txBody>
+      </p:sp>
+      <p:graphicFrame>
+        <p:nvGraphicFramePr>
+          <p:cNvPr id="5" name="Symbol zastępczy zawartości 4">
+            <a:extLst>
+              <a:ext uri="{FF2B5EF4-FFF2-40B4-BE49-F238E27FC236}">
+                <a16:creationId xmlns:a16="http://schemas.microsoft.com/office/drawing/2014/main" id="{C6D418CB-4987-4287-9BE3-62C5A989DD6E}"/>
+              </a:ext>
+            </a:extLst>
+          </p:cNvPr>
+          <p:cNvGraphicFramePr>
+            <a:graphicFrameLocks noGrp="1"/>
+          </p:cNvGraphicFramePr>
+          <p:nvPr>
+            <p:ph sz="half" idx="2"/>
+          </p:nvPr>
+        </p:nvGraphicFramePr>
+        <p:xfrm>
+          <a:off x="6172200" y="1825625"/>
+          <a:ext cx="5181600" cy="4351338"/>
+        </p:xfrm>
+        <a:graphic>
+          <a:graphicData uri="http://schemas.openxmlformats.org/drawingml/2006/chart">
+            <c:chart xmlns:c="http://schemas.openxmlformats.org/drawingml/2006/chart" xmlns:r="http://schemas.openxmlformats.org/officeDocument/2006/relationships" r:id="rId2"/>
+          </a:graphicData>
+        </a:graphic>
+      </p:graphicFrame>
+    </p:spTree>
+    <p:extLst>
+      <p:ext uri="{BB962C8B-B14F-4D97-AF65-F5344CB8AC3E}">
+        <p14:creationId xmlns:p14="http://schemas.microsoft.com/office/powerpoint/2010/main" val="3178012476"/>
+      </p:ext>
+    </p:extLst>
+  </p:cSld>
+  <p:clrMapOvr>
+    <a:masterClrMapping/>
+  </p:clrMapOvr>
+</p:sld>
+</file>
+
+<file path=ppt/slides/slide17.xml><?xml version="1.0" encoding="utf-8"?>
+<p:sld xmlns:a="http://schemas.openxmlformats.org/drawingml/2006/main" xmlns:r="http://schemas.openxmlformats.org/officeDocument/2006/relationships" xmlns:p="http://schemas.openxmlformats.org/presentationml/2006/main">
+  <p:cSld>
+    <p:spTree>
+      <p:nvGrpSpPr>
+        <p:cNvPr id="1" name=""/>
+        <p:cNvGrpSpPr/>
+        <p:nvPr/>
+      </p:nvGrpSpPr>
+      <p:grpSpPr>
+        <a:xfrm>
+          <a:off x="0" y="0"/>
+          <a:ext cx="0" cy="0"/>
+          <a:chOff x="0" y="0"/>
+          <a:chExt cx="0" cy="0"/>
+        </a:xfrm>
+      </p:grpSpPr>
+      <p:sp>
+        <p:nvSpPr>
+          <p:cNvPr id="2" name="Tytuł 1">
+            <a:extLst>
+              <a:ext uri="{FF2B5EF4-FFF2-40B4-BE49-F238E27FC236}">
+                <a16:creationId xmlns:a16="http://schemas.microsoft.com/office/drawing/2014/main" id="{9CFA705D-5190-4494-9800-80CE6F11AB08}"/>
+              </a:ext>
+            </a:extLst>
+          </p:cNvPr>
+          <p:cNvSpPr>
+            <a:spLocks noGrp="1"/>
+          </p:cNvSpPr>
+          <p:nvPr>
+            <p:ph type="title"/>
+          </p:nvPr>
+        </p:nvSpPr>
+        <p:spPr/>
+        <p:txBody>
+          <a:bodyPr>
+            <a:normAutofit/>
+          </a:bodyPr>
+          <a:lstStyle/>
+          <a:p>
+            <a:pPr algn="ctr"/>
+            <a:r>
+              <a:rPr lang="pl-PL" sz="3200" b="1" dirty="0"/>
+              <a:t>Jak spisują się nasze sortowania w sytuacji pesymistycznej</a:t>
+            </a:r>
+            <a:endParaRPr lang="pl-PL" sz="3200" dirty="0"/>
+          </a:p>
+        </p:txBody>
+      </p:sp>
+      <p:sp>
+        <p:nvSpPr>
+          <p:cNvPr id="3" name="Symbol zastępczy zawartości 2">
+            <a:extLst>
+              <a:ext uri="{FF2B5EF4-FFF2-40B4-BE49-F238E27FC236}">
+                <a16:creationId xmlns:a16="http://schemas.microsoft.com/office/drawing/2014/main" id="{47304BFE-6B66-4D76-A83B-3FA2189572CB}"/>
+              </a:ext>
+            </a:extLst>
+          </p:cNvPr>
+          <p:cNvSpPr>
+            <a:spLocks noGrp="1"/>
+          </p:cNvSpPr>
+          <p:nvPr>
+            <p:ph sz="half" idx="1"/>
+          </p:nvPr>
+        </p:nvSpPr>
+        <p:spPr/>
+        <p:txBody>
+          <a:bodyPr>
+            <a:normAutofit/>
+          </a:bodyPr>
+          <a:lstStyle/>
+          <a:p>
+            <a:pPr marL="0" indent="0">
+              <a:buNone/>
+            </a:pPr>
+            <a:r>
+              <a:rPr lang="pl-PL" sz="2400" dirty="0"/>
+              <a:t>W sytuacji pesymistycznej insert sort już nie działa aż tak dobrze (tak samo jak </a:t>
+            </a:r>
+            <a:r>
+              <a:rPr lang="pl-PL" sz="2400" dirty="0" err="1"/>
+              <a:t>bubble</a:t>
+            </a:r>
+            <a:r>
+              <a:rPr lang="pl-PL" sz="2400" dirty="0"/>
+              <a:t> i </a:t>
+            </a:r>
+            <a:r>
+              <a:rPr lang="pl-PL" sz="2400" dirty="0" err="1"/>
+              <a:t>selection</a:t>
+            </a:r>
+            <a:r>
+              <a:rPr lang="pl-PL" sz="2400" dirty="0"/>
+              <a:t> znacznie zwalnia wraz z zwiększoną ilością elementów). Sort z biblioteki </a:t>
+            </a:r>
+            <a:r>
+              <a:rPr lang="pl-PL" sz="2400" dirty="0" err="1"/>
+              <a:t>algorithm</a:t>
+            </a:r>
+            <a:r>
+              <a:rPr lang="pl-PL" sz="2400" dirty="0"/>
+              <a:t> jest najszybszy, ponownie widzimy że buble sort jest najwolniejszy, ale tym razem znacznie od </a:t>
+            </a:r>
+            <a:r>
+              <a:rPr lang="pl-PL" sz="2400" dirty="0" err="1"/>
+              <a:t>selection</a:t>
+            </a:r>
+            <a:r>
+              <a:rPr lang="pl-PL" sz="2400" dirty="0"/>
+              <a:t> </a:t>
+            </a:r>
+            <a:r>
+              <a:rPr lang="pl-PL" sz="2400" dirty="0" err="1"/>
+              <a:t>sorta</a:t>
+            </a:r>
+            <a:r>
+              <a:rPr lang="pl-PL" sz="2400" dirty="0"/>
+              <a:t> przy czym </a:t>
+            </a:r>
+            <a:r>
+              <a:rPr lang="pl-PL" sz="2400" dirty="0" err="1"/>
+              <a:t>bucket</a:t>
+            </a:r>
+            <a:r>
+              <a:rPr lang="pl-PL" sz="2400" dirty="0"/>
+              <a:t> sort szybkość </a:t>
+            </a:r>
+            <a:r>
+              <a:rPr lang="pl-PL" sz="2400" dirty="0" err="1"/>
+              <a:t>bucket</a:t>
+            </a:r>
+            <a:r>
+              <a:rPr lang="pl-PL" sz="2400" dirty="0"/>
+              <a:t> </a:t>
+            </a:r>
+            <a:r>
+              <a:rPr lang="pl-PL" sz="2400" dirty="0" err="1"/>
+              <a:t>sorta</a:t>
+            </a:r>
+            <a:r>
+              <a:rPr lang="pl-PL" sz="2400" dirty="0"/>
+              <a:t> prawie się nie zmienia.</a:t>
+            </a:r>
+          </a:p>
+        </p:txBody>
+      </p:sp>
+      <p:graphicFrame>
+        <p:nvGraphicFramePr>
+          <p:cNvPr id="5" name="Symbol zastępczy zawartości 4">
+            <a:extLst>
+              <a:ext uri="{FF2B5EF4-FFF2-40B4-BE49-F238E27FC236}">
+                <a16:creationId xmlns:a16="http://schemas.microsoft.com/office/drawing/2014/main" id="{E38D0249-FE79-467A-81B5-CFC7BE609D83}"/>
+              </a:ext>
+            </a:extLst>
+          </p:cNvPr>
+          <p:cNvGraphicFramePr>
+            <a:graphicFrameLocks noGrp="1"/>
+          </p:cNvGraphicFramePr>
+          <p:nvPr>
+            <p:ph sz="half" idx="2"/>
+          </p:nvPr>
+        </p:nvGraphicFramePr>
+        <p:xfrm>
+          <a:off x="6172200" y="1825625"/>
+          <a:ext cx="5181600" cy="4351338"/>
+        </p:xfrm>
+        <a:graphic>
+          <a:graphicData uri="http://schemas.openxmlformats.org/drawingml/2006/chart">
+            <c:chart xmlns:c="http://schemas.openxmlformats.org/drawingml/2006/chart" xmlns:r="http://schemas.openxmlformats.org/officeDocument/2006/relationships" r:id="rId2"/>
+          </a:graphicData>
+        </a:graphic>
+      </p:graphicFrame>
+    </p:spTree>
+    <p:extLst>
+      <p:ext uri="{BB962C8B-B14F-4D97-AF65-F5344CB8AC3E}">
+        <p14:creationId xmlns:p14="http://schemas.microsoft.com/office/powerpoint/2010/main" val="2692026902"/>
+      </p:ext>
+    </p:extLst>
+  </p:cSld>
+  <p:clrMapOvr>
+    <a:masterClrMapping/>
+  </p:clrMapOvr>
+</p:sld>
+</file>
+
+<file path=ppt/slides/slide18.xml><?xml version="1.0" encoding="utf-8"?>
+<p:sld xmlns:a="http://schemas.openxmlformats.org/drawingml/2006/main" xmlns:r="http://schemas.openxmlformats.org/officeDocument/2006/relationships" xmlns:p="http://schemas.openxmlformats.org/presentationml/2006/main">
+  <p:cSld>
+    <p:spTree>
+      <p:nvGrpSpPr>
+        <p:cNvPr id="1" name=""/>
+        <p:cNvGrpSpPr/>
+        <p:nvPr/>
+      </p:nvGrpSpPr>
+      <p:grpSpPr>
+        <a:xfrm>
+          <a:off x="0" y="0"/>
+          <a:ext cx="0" cy="0"/>
+          <a:chOff x="0" y="0"/>
+          <a:chExt cx="0" cy="0"/>
+        </a:xfrm>
+      </p:grpSpPr>
+      <p:sp>
+        <p:nvSpPr>
+          <p:cNvPr id="2" name="Tytuł 1">
+            <a:extLst>
+              <a:ext uri="{FF2B5EF4-FFF2-40B4-BE49-F238E27FC236}">
+                <a16:creationId xmlns:a16="http://schemas.microsoft.com/office/drawing/2014/main" id="{4256E769-37AB-4E92-8758-2074EB65B983}"/>
+              </a:ext>
+            </a:extLst>
+          </p:cNvPr>
+          <p:cNvSpPr>
+            <a:spLocks noGrp="1"/>
+          </p:cNvSpPr>
+          <p:nvPr>
+            <p:ph type="title"/>
+          </p:nvPr>
+        </p:nvSpPr>
+        <p:spPr/>
+        <p:txBody>
+          <a:bodyPr>
+            <a:normAutofit/>
+          </a:bodyPr>
+          <a:lstStyle/>
+          <a:p>
+            <a:pPr algn="ctr"/>
+            <a:r>
+              <a:rPr lang="pl-PL" sz="3200" b="1" dirty="0"/>
+              <a:t>Jak spisują się nasze sortowania w sytuacji randomowej</a:t>
+            </a:r>
+            <a:endParaRPr lang="pl-PL" sz="3200" dirty="0"/>
+          </a:p>
+        </p:txBody>
+      </p:sp>
+      <p:sp>
+        <p:nvSpPr>
+          <p:cNvPr id="3" name="Symbol zastępczy zawartości 2">
+            <a:extLst>
+              <a:ext uri="{FF2B5EF4-FFF2-40B4-BE49-F238E27FC236}">
+                <a16:creationId xmlns:a16="http://schemas.microsoft.com/office/drawing/2014/main" id="{2909CC67-7571-44CE-892D-B54139039EA4}"/>
+              </a:ext>
+            </a:extLst>
+          </p:cNvPr>
+          <p:cNvSpPr>
+            <a:spLocks noGrp="1"/>
+          </p:cNvSpPr>
+          <p:nvPr>
+            <p:ph sz="half" idx="1"/>
+          </p:nvPr>
+        </p:nvSpPr>
+        <p:spPr/>
+        <p:txBody>
+          <a:bodyPr>
+            <a:normAutofit/>
+          </a:bodyPr>
+          <a:lstStyle/>
+          <a:p>
+            <a:pPr marL="0" indent="0">
+              <a:buNone/>
+            </a:pPr>
+            <a:r>
+              <a:rPr lang="pl-PL" sz="2400" dirty="0"/>
+              <a:t>Ponownie </a:t>
+            </a:r>
+            <a:r>
+              <a:rPr lang="pl-PL" sz="2400" dirty="0" err="1"/>
+              <a:t>algorithm</a:t>
+            </a:r>
+            <a:r>
+              <a:rPr lang="pl-PL" sz="2400" dirty="0"/>
+              <a:t> sort jest najszybszy, lecz widzimy, że zwolnił on trochę porównując do sytuacji  pesymistycznej, </a:t>
+            </a:r>
+            <a:r>
+              <a:rPr lang="pl-PL" sz="2400" dirty="0" err="1"/>
+              <a:t>bucket</a:t>
+            </a:r>
+            <a:r>
+              <a:rPr lang="pl-PL" sz="2400" dirty="0"/>
+              <a:t> sort znowu utrzymuje się na tym samym poziomie. </a:t>
+            </a:r>
+            <a:r>
+              <a:rPr lang="pl-PL" sz="2400" dirty="0" err="1"/>
+              <a:t>Bubble</a:t>
+            </a:r>
+            <a:r>
+              <a:rPr lang="pl-PL" sz="2400" dirty="0"/>
+              <a:t> ponownie najwolniejszy.</a:t>
+            </a:r>
+          </a:p>
+        </p:txBody>
+      </p:sp>
+      <p:graphicFrame>
+        <p:nvGraphicFramePr>
+          <p:cNvPr id="6" name="Symbol zastępczy zawartości 5">
+            <a:extLst>
+              <a:ext uri="{FF2B5EF4-FFF2-40B4-BE49-F238E27FC236}">
+                <a16:creationId xmlns:a16="http://schemas.microsoft.com/office/drawing/2014/main" id="{6B6A6AC1-BF6C-451A-89D3-0EE931B754BD}"/>
+              </a:ext>
+            </a:extLst>
+          </p:cNvPr>
+          <p:cNvGraphicFramePr>
+            <a:graphicFrameLocks noGrp="1"/>
+          </p:cNvGraphicFramePr>
+          <p:nvPr>
+            <p:ph sz="half" idx="2"/>
+          </p:nvPr>
+        </p:nvGraphicFramePr>
+        <p:xfrm>
+          <a:off x="6172200" y="1825625"/>
+          <a:ext cx="5181600" cy="4351338"/>
+        </p:xfrm>
+        <a:graphic>
+          <a:graphicData uri="http://schemas.openxmlformats.org/drawingml/2006/chart">
+            <c:chart xmlns:c="http://schemas.openxmlformats.org/drawingml/2006/chart" xmlns:r="http://schemas.openxmlformats.org/officeDocument/2006/relationships" r:id="rId2"/>
+          </a:graphicData>
+        </a:graphic>
+      </p:graphicFrame>
+    </p:spTree>
+    <p:extLst>
+      <p:ext uri="{BB962C8B-B14F-4D97-AF65-F5344CB8AC3E}">
+        <p14:creationId xmlns:p14="http://schemas.microsoft.com/office/powerpoint/2010/main" val="553648398"/>
+      </p:ext>
+    </p:extLst>
+  </p:cSld>
+  <p:clrMapOvr>
+    <a:masterClrMapping/>
+  </p:clrMapOvr>
+</p:sld>
+</file>
+
+<file path=ppt/slides/slide19.xml><?xml version="1.0" encoding="utf-8"?>
+<p:sld xmlns:a="http://schemas.openxmlformats.org/drawingml/2006/main" xmlns:r="http://schemas.openxmlformats.org/officeDocument/2006/relationships" xmlns:p="http://schemas.openxmlformats.org/presentationml/2006/main">
+  <p:cSld>
+    <p:bg>
+      <p:bgPr>
+        <a:gradFill>
+          <a:gsLst>
+            <a:gs pos="0">
+              <a:schemeClr val="accent1">
+                <a:lumMod val="5000"/>
+                <a:lumOff val="95000"/>
+              </a:schemeClr>
+            </a:gs>
+            <a:gs pos="74000">
+              <a:schemeClr val="accent1">
+                <a:lumMod val="45000"/>
+                <a:lumOff val="55000"/>
+              </a:schemeClr>
+            </a:gs>
+            <a:gs pos="83000">
+              <a:schemeClr val="accent1">
+                <a:lumMod val="45000"/>
+                <a:lumOff val="55000"/>
+              </a:schemeClr>
+            </a:gs>
+            <a:gs pos="100000">
+              <a:schemeClr val="accent1">
+                <a:lumMod val="30000"/>
+                <a:lumOff val="70000"/>
+              </a:schemeClr>
+            </a:gs>
+          </a:gsLst>
+          <a:lin ang="5400000" scaled="1"/>
+        </a:gradFill>
+        <a:effectLst/>
+      </p:bgPr>
+    </p:bg>
+    <p:spTree>
+      <p:nvGrpSpPr>
+        <p:cNvPr id="1" name=""/>
+        <p:cNvGrpSpPr/>
+        <p:nvPr/>
+      </p:nvGrpSpPr>
+      <p:grpSpPr>
+        <a:xfrm>
+          <a:off x="0" y="0"/>
+          <a:ext cx="0" cy="0"/>
+          <a:chOff x="0" y="0"/>
+          <a:chExt cx="0" cy="0"/>
+        </a:xfrm>
+      </p:grpSpPr>
+      <p:sp>
+        <p:nvSpPr>
+          <p:cNvPr id="5" name="Tytuł 4">
+            <a:extLst>
+              <a:ext uri="{FF2B5EF4-FFF2-40B4-BE49-F238E27FC236}">
+                <a16:creationId xmlns:a16="http://schemas.microsoft.com/office/drawing/2014/main" id="{C95AA962-15B3-4B13-A411-A822047D80EC}"/>
+              </a:ext>
+            </a:extLst>
+          </p:cNvPr>
+          <p:cNvSpPr>
+            <a:spLocks noGrp="1"/>
+          </p:cNvSpPr>
+          <p:nvPr>
+            <p:ph type="title"/>
+          </p:nvPr>
+        </p:nvSpPr>
+        <p:spPr/>
+        <p:txBody>
+          <a:bodyPr/>
+          <a:lstStyle/>
+          <a:p>
+            <a:pPr algn="ctr"/>
+            <a:r>
+              <a:rPr lang="pl-PL" b="1" dirty="0"/>
+              <a:t>Ostateczny wniosek</a:t>
+            </a:r>
+          </a:p>
+        </p:txBody>
+      </p:sp>
+      <p:sp>
+        <p:nvSpPr>
+          <p:cNvPr id="6" name="Symbol zastępczy zawartości 5">
+            <a:extLst>
+              <a:ext uri="{FF2B5EF4-FFF2-40B4-BE49-F238E27FC236}">
+                <a16:creationId xmlns:a16="http://schemas.microsoft.com/office/drawing/2014/main" id="{101A5264-F760-41A2-9A17-21BF7FE1C5B0}"/>
+              </a:ext>
+            </a:extLst>
+          </p:cNvPr>
+          <p:cNvSpPr>
+            <a:spLocks noGrp="1"/>
+          </p:cNvSpPr>
+          <p:nvPr>
+            <p:ph idx="1"/>
+          </p:nvPr>
+        </p:nvSpPr>
+        <p:spPr/>
+        <p:txBody>
+          <a:bodyPr>
+            <a:normAutofit/>
+          </a:bodyPr>
+          <a:lstStyle/>
+          <a:p>
+            <a:pPr marL="0" indent="0">
+              <a:buNone/>
+            </a:pPr>
+            <a:r>
+              <a:rPr lang="pl-PL" sz="2400" dirty="0"/>
+              <a:t>-Tylko w sortowaniu przy sytuacji optymistycznej opłaca się nam użyć metody sortowania innej niż </a:t>
+            </a:r>
+            <a:r>
+              <a:rPr lang="pl-PL" sz="2400" dirty="0" err="1"/>
+              <a:t>algorithm</a:t>
+            </a:r>
+            <a:r>
+              <a:rPr lang="pl-PL" sz="2400" dirty="0"/>
+              <a:t>, mowa tu o insert sorcie. </a:t>
+            </a:r>
+          </a:p>
+          <a:p>
+            <a:pPr marL="0" indent="0">
+              <a:buNone/>
+            </a:pPr>
+            <a:r>
+              <a:rPr lang="pl-PL" sz="2400" dirty="0"/>
+              <a:t>-Natomiast, jeśli nie możemy użyć </a:t>
+            </a:r>
+            <a:r>
+              <a:rPr lang="pl-PL" sz="2400" dirty="0" err="1"/>
+              <a:t>algorithm</a:t>
+            </a:r>
+            <a:r>
+              <a:rPr lang="pl-PL" sz="2400" dirty="0"/>
+              <a:t>, a mamy dużą ilość elementów do posortowania warto użyć </a:t>
+            </a:r>
+            <a:r>
+              <a:rPr lang="pl-PL" sz="2400" dirty="0" err="1"/>
+              <a:t>bucket</a:t>
+            </a:r>
+            <a:r>
+              <a:rPr lang="pl-PL" sz="2400" dirty="0"/>
+              <a:t> sort. </a:t>
+            </a:r>
+          </a:p>
+          <a:p>
+            <a:pPr marL="0" indent="0">
+              <a:buNone/>
+            </a:pPr>
+            <a:r>
+              <a:rPr lang="pl-PL" sz="2400" dirty="0"/>
+              <a:t>-W sytuacji gdzie mamy małą ilość elementów i nie chcemy użyć </a:t>
+            </a:r>
+            <a:r>
+              <a:rPr lang="pl-PL" sz="2400" dirty="0" err="1"/>
+              <a:t>algorithm</a:t>
+            </a:r>
+            <a:r>
+              <a:rPr lang="pl-PL" sz="2400" dirty="0"/>
+              <a:t> opłaca się każdej innej metody sortowania oprócz </a:t>
+            </a:r>
+            <a:r>
+              <a:rPr lang="pl-PL" sz="2400" dirty="0" err="1"/>
+              <a:t>bucket</a:t>
+            </a:r>
+            <a:r>
+              <a:rPr lang="pl-PL" sz="2400" dirty="0"/>
+              <a:t> sort.</a:t>
             </a:r>
           </a:p>
         </p:txBody>
@@ -7881,7 +9069,7 @@
     </p:spTree>
     <p:extLst>
       <p:ext uri="{BB962C8B-B14F-4D97-AF65-F5344CB8AC3E}">
-        <p14:creationId xmlns:p14="http://schemas.microsoft.com/office/powerpoint/2010/main" val="648175163"/>
+        <p14:creationId xmlns:p14="http://schemas.microsoft.com/office/powerpoint/2010/main" val="1765588210"/>
       </p:ext>
     </p:extLst>
   </p:cSld>
@@ -7995,65 +9183,48 @@
           <a:lstStyle/>
           <a:p>
             <a:r>
-              <a:rPr lang="pl-PL" sz="4000" dirty="0" err="1"/>
+              <a:rPr lang="pl-PL" sz="2400" dirty="0" err="1"/>
               <a:t>Bubble</a:t>
             </a:r>
             <a:r>
-              <a:rPr lang="pl-PL" sz="4000" dirty="0"/>
+              <a:rPr lang="pl-PL" sz="2400" dirty="0"/>
               <a:t> sort</a:t>
             </a:r>
           </a:p>
           <a:p>
             <a:r>
-              <a:rPr lang="pl-PL" sz="4000" dirty="0" err="1"/>
+              <a:rPr lang="pl-PL" sz="2400" dirty="0" err="1"/>
               <a:t>Bucket</a:t>
             </a:r>
             <a:r>
-              <a:rPr lang="pl-PL" sz="4000" dirty="0"/>
+              <a:rPr lang="pl-PL" sz="2400" dirty="0"/>
               <a:t> sort</a:t>
             </a:r>
           </a:p>
           <a:p>
             <a:r>
-              <a:rPr lang="pl-PL" sz="4000" dirty="0"/>
+              <a:rPr lang="pl-PL" sz="2400" dirty="0"/>
               <a:t>Insert sort</a:t>
             </a:r>
           </a:p>
           <a:p>
             <a:r>
-              <a:rPr lang="pl-PL" sz="4000" dirty="0" err="1"/>
+              <a:rPr lang="pl-PL" sz="2400" dirty="0" err="1"/>
               <a:t>Algorithm</a:t>
             </a:r>
             <a:r>
-              <a:rPr lang="pl-PL" sz="4000" dirty="0"/>
+              <a:rPr lang="pl-PL" sz="2400" dirty="0"/>
               <a:t> sort</a:t>
             </a:r>
           </a:p>
           <a:p>
             <a:r>
-              <a:rPr lang="pl-PL" sz="4000" dirty="0" err="1"/>
+              <a:rPr lang="pl-PL" sz="2400" dirty="0" err="1"/>
               <a:t>Selection</a:t>
             </a:r>
             <a:r>
-              <a:rPr lang="pl-PL" sz="4000" dirty="0"/>
+              <a:rPr lang="pl-PL" sz="2400" dirty="0"/>
               <a:t> sort</a:t>
-            </a:r>
-          </a:p>
-          <a:p>
-            <a:pPr marL="0" indent="0">
-              <a:buNone/>
-            </a:pPr>
-            <a:r>
-              <a:rPr lang="pl-PL" sz="4000" dirty="0"/>
-              <a:t>(nie będę </a:t>
-            </a:r>
-            <a:r>
-              <a:rPr lang="pl-PL" sz="4000" dirty="0" err="1"/>
-              <a:t>omwiał</a:t>
-            </a:r>
-            <a:r>
-              <a:rPr lang="pl-PL" sz="4000" dirty="0"/>
-              <a:t> sposobu ich działania ponieważ mieliśmy je na lekcji)</a:t>
             </a:r>
           </a:p>
         </p:txBody>
@@ -8062,6 +9233,130 @@
     <p:extLst>
       <p:ext uri="{BB962C8B-B14F-4D97-AF65-F5344CB8AC3E}">
         <p14:creationId xmlns:p14="http://schemas.microsoft.com/office/powerpoint/2010/main" val="553710575"/>
+      </p:ext>
+    </p:extLst>
+  </p:cSld>
+  <p:clrMapOvr>
+    <a:masterClrMapping/>
+  </p:clrMapOvr>
+</p:sld>
+</file>
+
+<file path=ppt/slides/slide20.xml><?xml version="1.0" encoding="utf-8"?>
+<p:sld xmlns:a="http://schemas.openxmlformats.org/drawingml/2006/main" xmlns:r="http://schemas.openxmlformats.org/officeDocument/2006/relationships" xmlns:p="http://schemas.openxmlformats.org/presentationml/2006/main">
+  <p:cSld>
+    <p:bg>
+      <p:bgPr>
+        <a:gradFill>
+          <a:gsLst>
+            <a:gs pos="0">
+              <a:schemeClr val="accent1">
+                <a:lumMod val="5000"/>
+                <a:lumOff val="95000"/>
+              </a:schemeClr>
+            </a:gs>
+            <a:gs pos="74000">
+              <a:schemeClr val="accent1">
+                <a:lumMod val="45000"/>
+                <a:lumOff val="55000"/>
+              </a:schemeClr>
+            </a:gs>
+            <a:gs pos="83000">
+              <a:schemeClr val="accent1">
+                <a:lumMod val="45000"/>
+                <a:lumOff val="55000"/>
+              </a:schemeClr>
+            </a:gs>
+            <a:gs pos="100000">
+              <a:schemeClr val="accent1">
+                <a:lumMod val="30000"/>
+                <a:lumOff val="70000"/>
+              </a:schemeClr>
+            </a:gs>
+          </a:gsLst>
+          <a:lin ang="5400000" scaled="1"/>
+        </a:gradFill>
+        <a:effectLst/>
+      </p:bgPr>
+    </p:bg>
+    <p:spTree>
+      <p:nvGrpSpPr>
+        <p:cNvPr id="1" name=""/>
+        <p:cNvGrpSpPr/>
+        <p:nvPr/>
+      </p:nvGrpSpPr>
+      <p:grpSpPr>
+        <a:xfrm>
+          <a:off x="0" y="0"/>
+          <a:ext cx="0" cy="0"/>
+          <a:chOff x="0" y="0"/>
+          <a:chExt cx="0" cy="0"/>
+        </a:xfrm>
+      </p:grpSpPr>
+      <p:sp>
+        <p:nvSpPr>
+          <p:cNvPr id="4" name="Tytuł 3">
+            <a:extLst>
+              <a:ext uri="{FF2B5EF4-FFF2-40B4-BE49-F238E27FC236}">
+                <a16:creationId xmlns:a16="http://schemas.microsoft.com/office/drawing/2014/main" id="{A4324BD0-27E5-438A-B782-209B4041846A}"/>
+              </a:ext>
+            </a:extLst>
+          </p:cNvPr>
+          <p:cNvSpPr>
+            <a:spLocks noGrp="1"/>
+          </p:cNvSpPr>
+          <p:nvPr>
+            <p:ph type="title"/>
+          </p:nvPr>
+        </p:nvSpPr>
+        <p:spPr/>
+        <p:txBody>
+          <a:bodyPr/>
+          <a:lstStyle/>
+          <a:p>
+            <a:r>
+              <a:rPr lang="pl-PL" dirty="0"/>
+              <a:t>Dziękuję za Uwagę </a:t>
+            </a:r>
+          </a:p>
+        </p:txBody>
+      </p:sp>
+      <p:sp>
+        <p:nvSpPr>
+          <p:cNvPr id="5" name="Symbol zastępczy tekstu 4">
+            <a:extLst>
+              <a:ext uri="{FF2B5EF4-FFF2-40B4-BE49-F238E27FC236}">
+                <a16:creationId xmlns:a16="http://schemas.microsoft.com/office/drawing/2014/main" id="{F6C752DD-E07B-4A64-B128-360ADA059164}"/>
+              </a:ext>
+            </a:extLst>
+          </p:cNvPr>
+          <p:cNvSpPr>
+            <a:spLocks noGrp="1"/>
+          </p:cNvSpPr>
+          <p:nvPr>
+            <p:ph type="body" idx="1"/>
+          </p:nvPr>
+        </p:nvSpPr>
+        <p:spPr/>
+        <p:txBody>
+          <a:bodyPr/>
+          <a:lstStyle/>
+          <a:p>
+            <a:r>
+              <a:rPr lang="pl-PL" dirty="0">
+                <a:solidFill>
+                  <a:schemeClr val="tx1"/>
+                </a:solidFill>
+              </a:rPr>
+              <a:t>Wyk. Artur Binczyk</a:t>
+            </a:r>
+          </a:p>
+        </p:txBody>
+      </p:sp>
+    </p:spTree>
+    <p:extLst>
+      <p:ext uri="{BB962C8B-B14F-4D97-AF65-F5344CB8AC3E}">
+        <p14:creationId xmlns:p14="http://schemas.microsoft.com/office/powerpoint/2010/main" val="648175163"/>
       </p:ext>
     </p:extLst>
   </p:cSld>
@@ -8169,14 +9464,16 @@
         </p:nvSpPr>
         <p:spPr/>
         <p:txBody>
-          <a:bodyPr/>
+          <a:bodyPr>
+            <a:normAutofit/>
+          </a:bodyPr>
           <a:lstStyle/>
           <a:p>
             <a:pPr marL="0" indent="0">
               <a:buNone/>
             </a:pPr>
             <a:r>
-              <a:rPr lang="pl-PL" dirty="0"/>
+              <a:rPr lang="pl-PL" sz="2400" dirty="0"/>
               <a:t>Do pomiarów użyłem tablicy, która ma 5 elementów każdy z nich to w kolejności 200, 500, 1000, 10000, 100000.</a:t>
             </a:r>
           </a:p>
@@ -8185,39 +9482,39 @@
               <a:buNone/>
             </a:pPr>
             <a:r>
-              <a:rPr lang="pl-PL" dirty="0"/>
+              <a:rPr lang="pl-PL" sz="2400" dirty="0"/>
               <a:t>Następnie przeprowadziłem każde z sortowań na tych tablicach wypełnionych na 3 różne sposoby optymistyczny (tabela jest już uporządkowana od </a:t>
             </a:r>
             <a:r>
-              <a:rPr lang="pl-PL" dirty="0" err="1"/>
+              <a:rPr lang="pl-PL" sz="2400" dirty="0" err="1"/>
               <a:t>najm</a:t>
             </a:r>
             <a:r>
-              <a:rPr lang="pl-PL" dirty="0"/>
+              <a:rPr lang="pl-PL" sz="2400" dirty="0"/>
               <a:t>. elementu do </a:t>
             </a:r>
             <a:r>
-              <a:rPr lang="pl-PL" dirty="0" err="1"/>
+              <a:rPr lang="pl-PL" sz="2400" dirty="0" err="1"/>
               <a:t>najw</a:t>
             </a:r>
             <a:r>
-              <a:rPr lang="pl-PL" dirty="0"/>
+              <a:rPr lang="pl-PL" sz="2400" dirty="0"/>
               <a:t>), pesymistyczny (od </a:t>
             </a:r>
             <a:r>
-              <a:rPr lang="pl-PL" dirty="0" err="1"/>
+              <a:rPr lang="pl-PL" sz="2400" dirty="0" err="1"/>
               <a:t>najw</a:t>
             </a:r>
             <a:r>
-              <a:rPr lang="pl-PL" dirty="0"/>
+              <a:rPr lang="pl-PL" sz="2400" dirty="0"/>
               <a:t>. elementu do </a:t>
             </a:r>
             <a:r>
-              <a:rPr lang="pl-PL" dirty="0" err="1"/>
+              <a:rPr lang="pl-PL" sz="2400" dirty="0" err="1"/>
               <a:t>najm</a:t>
             </a:r>
             <a:r>
-              <a:rPr lang="pl-PL" dirty="0"/>
+              <a:rPr lang="pl-PL" sz="2400" dirty="0"/>
               <a:t>.) i losowy (tabela wypełniona losowo).</a:t>
             </a:r>
           </a:p>
@@ -8335,7 +9632,7 @@
         <p:spPr/>
         <p:txBody>
           <a:bodyPr>
-            <a:normAutofit fontScale="92500" lnSpcReduction="10000"/>
+            <a:normAutofit/>
           </a:bodyPr>
           <a:lstStyle/>
           <a:p>
@@ -8343,7 +9640,7 @@
               <a:buNone/>
             </a:pPr>
             <a:r>
-              <a:rPr lang="pl-PL" dirty="0"/>
+              <a:rPr lang="pl-PL" sz="2400" dirty="0"/>
               <a:t>Na początku programu stworzyłem funkcję mające na celu wypełniać tabele na 3 podane wcześniej sposoby.</a:t>
             </a:r>
           </a:p>
@@ -8352,31 +9649,31 @@
               <a:buNone/>
             </a:pPr>
             <a:r>
-              <a:rPr lang="pl-PL" dirty="0"/>
+              <a:rPr lang="pl-PL" sz="2400" dirty="0"/>
               <a:t>Tutaj pokazałem funkcję wypełniającą w sposób od </a:t>
             </a:r>
             <a:r>
-              <a:rPr lang="pl-PL" dirty="0" err="1"/>
+              <a:rPr lang="pl-PL" sz="2400" dirty="0" err="1"/>
               <a:t>najm</a:t>
             </a:r>
             <a:r>
-              <a:rPr lang="pl-PL" dirty="0"/>
+              <a:rPr lang="pl-PL" sz="2400" dirty="0"/>
               <a:t>. do </a:t>
             </a:r>
             <a:r>
-              <a:rPr lang="pl-PL" dirty="0" err="1"/>
+              <a:rPr lang="pl-PL" sz="2400" dirty="0" err="1"/>
               <a:t>najw</a:t>
             </a:r>
             <a:r>
-              <a:rPr lang="pl-PL" dirty="0"/>
+              <a:rPr lang="pl-PL" sz="2400" dirty="0"/>
               <a:t>. Przyjmuje ona 2 argumenty </a:t>
             </a:r>
             <a:r>
-              <a:rPr lang="pl-PL" dirty="0" err="1"/>
+              <a:rPr lang="pl-PL" sz="2400" dirty="0" err="1"/>
               <a:t>tab</a:t>
             </a:r>
             <a:r>
-              <a:rPr lang="pl-PL" dirty="0"/>
+              <a:rPr lang="pl-PL" sz="2400" dirty="0"/>
               <a:t>[] – tablica, którą chcemy wypełnić i n – ilość elementów w tablicy.</a:t>
             </a:r>
           </a:p>
@@ -8385,7 +9682,7 @@
               <a:buNone/>
             </a:pPr>
             <a:r>
-              <a:rPr lang="pl-PL" dirty="0"/>
+              <a:rPr lang="pl-PL" sz="2400" dirty="0"/>
               <a:t>(Wszystkie funkcję w tym programie przyjmują te same argumenty)</a:t>
             </a:r>
           </a:p>
@@ -8504,7 +9801,7 @@
           <p:cNvPr id="2" name="Tytuł 1">
             <a:extLst>
               <a:ext uri="{FF2B5EF4-FFF2-40B4-BE49-F238E27FC236}">
-                <a16:creationId xmlns:a16="http://schemas.microsoft.com/office/drawing/2014/main" id="{03E4C77C-E1C1-4C3D-A3C9-F9857F6DBA19}"/>
+                <a16:creationId xmlns:a16="http://schemas.microsoft.com/office/drawing/2014/main" id="{02976B4C-2B29-4866-B440-EC440782B7D8}"/>
               </a:ext>
             </a:extLst>
           </p:cNvPr>
@@ -8523,7 +9820,7 @@
             <a:pPr algn="ctr"/>
             <a:r>
               <a:rPr lang="pl-PL" b="1" dirty="0" err="1"/>
-              <a:t>Bucket</a:t>
+              <a:t>Bubble</a:t>
             </a:r>
             <a:r>
               <a:rPr lang="pl-PL" b="1" dirty="0"/>
@@ -8537,7 +9834,7 @@
           <p:cNvPr id="3" name="Symbol zastępczy zawartości 2">
             <a:extLst>
               <a:ext uri="{FF2B5EF4-FFF2-40B4-BE49-F238E27FC236}">
-                <a16:creationId xmlns:a16="http://schemas.microsoft.com/office/drawing/2014/main" id="{7A47F2DD-81DC-4D98-8350-2F3D00EB10EE}"/>
+                <a16:creationId xmlns:a16="http://schemas.microsoft.com/office/drawing/2014/main" id="{58C68D28-8258-4CF5-9FAE-452C9E5BD0E8}"/>
               </a:ext>
             </a:extLst>
           </p:cNvPr>
@@ -8550,19 +9847,26 @@
         </p:nvSpPr>
         <p:spPr/>
         <p:txBody>
-          <a:bodyPr/>
+          <a:bodyPr>
+            <a:normAutofit/>
+          </a:bodyPr>
           <a:lstStyle/>
           <a:p>
             <a:pPr marL="0" indent="0">
               <a:buNone/>
             </a:pPr>
             <a:r>
-              <a:rPr lang="pl-PL" dirty="0" err="1"/>
-              <a:t>Bucket</a:t>
-            </a:r>
-            <a:r>
-              <a:rPr lang="pl-PL" dirty="0"/>
-              <a:t> sort pokazuje go tu, ponieważ trochę różni się od tego, którego widzieliśmy na lekcji, ponieważ tamten miał na celu po prostu wypisać uporządkowane elementy, a ten faktycznie sortuje tabelę.</a:t>
+              <a:rPr lang="pl-PL" sz="2400" dirty="0"/>
+              <a:t>Zasada działania opiera się na cyklicznym porównywaniu par sąsiadujących elementów i zamianie ich kolejności w przypadku niespełnienia kryterium porządkowego zbioru. Operację tę wykonujemy dotąd, aż cały zbiór zostanie posortowany.</a:t>
+            </a:r>
+          </a:p>
+          <a:p>
+            <a:pPr marL="0" indent="0">
+              <a:buNone/>
+            </a:pPr>
+            <a:r>
+              <a:rPr lang="pl-PL" sz="2400" dirty="0"/>
+              <a:t>(reszta kodu służy do mierzenia czasu)</a:t>
             </a:r>
           </a:p>
         </p:txBody>
@@ -8572,7 +9876,7 @@
           <p:cNvPr id="6" name="Symbol zastępczy zawartości 5" descr="Obraz zawierający tekst&#10;&#10;Opis wygenerowany automatycznie">
             <a:extLst>
               <a:ext uri="{FF2B5EF4-FFF2-40B4-BE49-F238E27FC236}">
-                <a16:creationId xmlns:a16="http://schemas.microsoft.com/office/drawing/2014/main" id="{C9667D35-B264-49CA-BAF7-9220832BA675}"/>
+                <a16:creationId xmlns:a16="http://schemas.microsoft.com/office/drawing/2014/main" id="{D32ABC0F-5D9C-4394-96E3-250A239EABF7}"/>
               </a:ext>
             </a:extLst>
           </p:cNvPr>
@@ -8597,15 +9901,15 @@
         </p:blipFill>
         <p:spPr>
           <a:xfrm>
-            <a:off x="6172200" y="1941365"/>
-            <a:ext cx="5181600" cy="4119858"/>
+            <a:off x="6019800" y="2737145"/>
+            <a:ext cx="5334000" cy="2458065"/>
           </a:xfrm>
         </p:spPr>
       </p:pic>
     </p:spTree>
     <p:extLst>
       <p:ext uri="{BB962C8B-B14F-4D97-AF65-F5344CB8AC3E}">
-        <p14:creationId xmlns:p14="http://schemas.microsoft.com/office/powerpoint/2010/main" val="2761650239"/>
+        <p14:creationId xmlns:p14="http://schemas.microsoft.com/office/powerpoint/2010/main" val="3830689498"/>
       </p:ext>
     </p:extLst>
   </p:cSld>
@@ -8671,7 +9975,7 @@
           <p:cNvPr id="2" name="Tytuł 1">
             <a:extLst>
               <a:ext uri="{FF2B5EF4-FFF2-40B4-BE49-F238E27FC236}">
-                <a16:creationId xmlns:a16="http://schemas.microsoft.com/office/drawing/2014/main" id="{EA360555-B164-4B0D-AFA3-CE1AC5D15A22}"/>
+                <a16:creationId xmlns:a16="http://schemas.microsoft.com/office/drawing/2014/main" id="{2CFAE380-E05B-406E-8C68-F0CEE15E6625}"/>
               </a:ext>
             </a:extLst>
           </p:cNvPr>
@@ -8690,7 +9994,7 @@
             <a:pPr algn="ctr"/>
             <a:r>
               <a:rPr lang="pl-PL" b="1" dirty="0"/>
-              <a:t>Żeby ładnie wyglądało</a:t>
+              <a:t>Insert sort</a:t>
             </a:r>
           </a:p>
         </p:txBody>
@@ -8700,7 +10004,7 @@
           <p:cNvPr id="3" name="Symbol zastępczy zawartości 2">
             <a:extLst>
               <a:ext uri="{FF2B5EF4-FFF2-40B4-BE49-F238E27FC236}">
-                <a16:creationId xmlns:a16="http://schemas.microsoft.com/office/drawing/2014/main" id="{F45D894C-B0F4-4F3E-A92D-C8C7EEDCA4E5}"/>
+                <a16:creationId xmlns:a16="http://schemas.microsoft.com/office/drawing/2014/main" id="{F42C2D1D-28AC-4817-AD3F-1C8A0EC5B7AE}"/>
               </a:ext>
             </a:extLst>
           </p:cNvPr>
@@ -8711,30 +10015,27 @@
             <p:ph sz="half" idx="1"/>
           </p:nvPr>
         </p:nvSpPr>
-        <p:spPr>
-          <a:xfrm>
-            <a:off x="838199" y="1825625"/>
-            <a:ext cx="10753725" cy="2412606"/>
-          </a:xfrm>
-        </p:spPr>
+        <p:spPr/>
         <p:txBody>
-          <a:bodyPr/>
+          <a:bodyPr>
+            <a:noAutofit/>
+          </a:bodyPr>
           <a:lstStyle/>
           <a:p>
             <a:pPr marL="0" indent="0">
               <a:buNone/>
             </a:pPr>
             <a:r>
-              <a:rPr lang="pl-PL" dirty="0"/>
-              <a:t>Mimo tego, że całość danych zwracam do pliku, tworzę dwie tablicę z nazwami by łatwiej zorientować się co się dzieje z programem w czasie jego trwania (wspominam o tym tylko po to by uniknąć niejasności w pewnym momencie </a:t>
-            </a:r>
-            <a:r>
-              <a:rPr lang="pl-PL" dirty="0" err="1"/>
-              <a:t>maina</a:t>
-            </a:r>
-            <a:r>
-              <a:rPr lang="pl-PL" dirty="0"/>
-              <a:t>)</a:t>
+              <a:rPr lang="pl-PL" sz="2400" dirty="0"/>
+              <a:t>Algorytm </a:t>
+            </a:r>
+            <a:r>
+              <a:rPr lang="pl-PL" sz="2400" b="1" dirty="0"/>
+              <a:t>sortowania przez wstawianie</a:t>
+            </a:r>
+            <a:r>
+              <a:rPr lang="pl-PL" sz="2400" dirty="0"/>
+              <a:t> można porównać do sposobu układania kart pobieranych z talii. Najpierw bierzemy pierwszą kartę. Następnie pobieramy kolejne, aż do wyczerpania talii. Każdą pobraną kartę porównujemy z kartami, które już trzymamy w ręce i szukamy dla niej miejsca przed pierwszą kartą starszą. Gdy znajdziemy takie miejsce, rozsuwamy karty i nową wstawiamy na przygotowane w ten sposób miejsce Jeśli nasza karta jest najstarsza (najmłodsza), to umieszczamy ją na samym końcu. Tak porządkujemy karty.</a:t>
             </a:r>
           </a:p>
         </p:txBody>
@@ -8744,7 +10045,7 @@
           <p:cNvPr id="6" name="Symbol zastępczy zawartości 5" descr="Obraz zawierający tekst&#10;&#10;Opis wygenerowany automatycznie">
             <a:extLst>
               <a:ext uri="{FF2B5EF4-FFF2-40B4-BE49-F238E27FC236}">
-                <a16:creationId xmlns:a16="http://schemas.microsoft.com/office/drawing/2014/main" id="{9E75887B-AE53-4213-B3A0-D57ECE97538A}"/>
+                <a16:creationId xmlns:a16="http://schemas.microsoft.com/office/drawing/2014/main" id="{26DCC85E-A937-40D1-A631-6752301F5855}"/>
               </a:ext>
             </a:extLst>
           </p:cNvPr>
@@ -8769,15 +10070,15 @@
         </p:blipFill>
         <p:spPr>
           <a:xfrm>
-            <a:off x="0" y="4445394"/>
-            <a:ext cx="12211048" cy="2412606"/>
+            <a:off x="6052920" y="1990725"/>
+            <a:ext cx="5300880" cy="3932646"/>
           </a:xfrm>
         </p:spPr>
       </p:pic>
     </p:spTree>
     <p:extLst>
       <p:ext uri="{BB962C8B-B14F-4D97-AF65-F5344CB8AC3E}">
-        <p14:creationId xmlns:p14="http://schemas.microsoft.com/office/powerpoint/2010/main" val="3662695824"/>
+        <p14:creationId xmlns:p14="http://schemas.microsoft.com/office/powerpoint/2010/main" val="471483491"/>
       </p:ext>
     </p:extLst>
   </p:cSld>
@@ -8843,7 +10144,7 @@
           <p:cNvPr id="2" name="Tytuł 1">
             <a:extLst>
               <a:ext uri="{FF2B5EF4-FFF2-40B4-BE49-F238E27FC236}">
-                <a16:creationId xmlns:a16="http://schemas.microsoft.com/office/drawing/2014/main" id="{3EA2784B-EAED-4B4B-8725-B1105E6ECAE6}"/>
+                <a16:creationId xmlns:a16="http://schemas.microsoft.com/office/drawing/2014/main" id="{4B617129-EB72-4F0F-A46D-B06812CF0505}"/>
               </a:ext>
             </a:extLst>
           </p:cNvPr>
@@ -8861,8 +10162,12 @@
           <a:p>
             <a:pPr algn="ctr"/>
             <a:r>
+              <a:rPr lang="pl-PL" b="1" dirty="0" err="1"/>
+              <a:t>Selection</a:t>
+            </a:r>
+            <a:r>
               <a:rPr lang="pl-PL" b="1" dirty="0"/>
-              <a:t>Najważniejsze</a:t>
+              <a:t> sort</a:t>
             </a:r>
           </a:p>
         </p:txBody>
@@ -8872,7 +10177,7 @@
           <p:cNvPr id="3" name="Symbol zastępczy zawartości 2">
             <a:extLst>
               <a:ext uri="{FF2B5EF4-FFF2-40B4-BE49-F238E27FC236}">
-                <a16:creationId xmlns:a16="http://schemas.microsoft.com/office/drawing/2014/main" id="{A811E98B-9E68-4CA5-8975-E26E4F58A7D0}"/>
+                <a16:creationId xmlns:a16="http://schemas.microsoft.com/office/drawing/2014/main" id="{6B105E28-8908-4AB4-9FF1-68553F4472C6}"/>
               </a:ext>
             </a:extLst>
           </p:cNvPr>
@@ -8885,34 +10190,34 @@
         </p:nvSpPr>
         <p:spPr/>
         <p:txBody>
-          <a:bodyPr/>
+          <a:bodyPr>
+            <a:normAutofit/>
+          </a:bodyPr>
           <a:lstStyle/>
           <a:p>
             <a:pPr marL="0" indent="0">
               <a:buNone/>
             </a:pPr>
             <a:r>
-              <a:rPr lang="pl-PL" dirty="0"/>
-              <a:t>Na początek tworzę jedną tablicę o nazwie rozmiary, która jak sama nazwa mówi przechowuje rozmiary. </a:t>
-            </a:r>
-          </a:p>
-          <a:p>
-            <a:pPr marL="0" indent="0">
-              <a:buNone/>
-            </a:pPr>
-            <a:r>
-              <a:rPr lang="pl-PL" dirty="0"/>
-              <a:t>Następnie tworzę 2 tablice wskaźników do funkcji. Pierwsza tablica zawiera wskaźniki do funkcji sortujących, druga do funkcji wypełniających.</a:t>
+              <a:rPr lang="pl-PL" sz="2400" dirty="0"/>
+              <a:t>Sortowanie te polega na wyszukaniu najmniejszego elementu z całej tablicy i wstawieniu go na następny element posortowanej tablicy. </a:t>
+            </a:r>
+            <a:br>
+              <a:rPr lang="pl-PL" sz="2400" dirty="0"/>
+            </a:br>
+            <a:r>
+              <a:rPr lang="pl-PL" sz="2400" dirty="0"/>
+              <a:t>Gdy najmniejszy element zamienimy na największy, wówczas tablica będzie posortowana od największego do najmniejszego elementu. </a:t>
             </a:r>
           </a:p>
         </p:txBody>
       </p:sp>
       <p:pic>
         <p:nvPicPr>
-          <p:cNvPr id="15" name="Symbol zastępczy zawartości 14" descr="Obraz zawierający tekst&#10;&#10;Opis wygenerowany automatycznie">
-            <a:extLst>
-              <a:ext uri="{FF2B5EF4-FFF2-40B4-BE49-F238E27FC236}">
-                <a16:creationId xmlns:a16="http://schemas.microsoft.com/office/drawing/2014/main" id="{DC90D144-B2B0-435F-927F-723119B32279}"/>
+          <p:cNvPr id="6" name="Symbol zastępczy zawartości 5" descr="Obraz zawierający tekst&#10;&#10;Opis wygenerowany automatycznie">
+            <a:extLst>
+              <a:ext uri="{FF2B5EF4-FFF2-40B4-BE49-F238E27FC236}">
+                <a16:creationId xmlns:a16="http://schemas.microsoft.com/office/drawing/2014/main" id="{6A9441ED-C300-47C8-95C6-F54CFBE21BC3}"/>
               </a:ext>
             </a:extLst>
           </p:cNvPr>
@@ -8937,15 +10242,15 @@
         </p:blipFill>
         <p:spPr>
           <a:xfrm>
-            <a:off x="6348075" y="2028826"/>
-            <a:ext cx="5804896" cy="3377602"/>
+            <a:off x="6172200" y="2337219"/>
+            <a:ext cx="5181600" cy="3328150"/>
           </a:xfrm>
         </p:spPr>
       </p:pic>
     </p:spTree>
     <p:extLst>
       <p:ext uri="{BB962C8B-B14F-4D97-AF65-F5344CB8AC3E}">
-        <p14:creationId xmlns:p14="http://schemas.microsoft.com/office/powerpoint/2010/main" val="3033538800"/>
+        <p14:creationId xmlns:p14="http://schemas.microsoft.com/office/powerpoint/2010/main" val="2012908438"/>
       </p:ext>
     </p:extLst>
   </p:cSld>
@@ -9011,7 +10316,7 @@
           <p:cNvPr id="2" name="Tytuł 1">
             <a:extLst>
               <a:ext uri="{FF2B5EF4-FFF2-40B4-BE49-F238E27FC236}">
-                <a16:creationId xmlns:a16="http://schemas.microsoft.com/office/drawing/2014/main" id="{070B0D53-98B5-4FCE-BE24-F4A000F8F5DE}"/>
+                <a16:creationId xmlns:a16="http://schemas.microsoft.com/office/drawing/2014/main" id="{03E4C77C-E1C1-4C3D-A3C9-F9857F6DBA19}"/>
               </a:ext>
             </a:extLst>
           </p:cNvPr>
@@ -9029,8 +10334,12 @@
           <a:p>
             <a:pPr algn="ctr"/>
             <a:r>
+              <a:rPr lang="pl-PL" b="1" dirty="0" err="1"/>
+              <a:t>Bucket</a:t>
+            </a:r>
+            <a:r>
               <a:rPr lang="pl-PL" b="1" dirty="0"/>
-              <a:t>Jak wywoływane są funkcję?</a:t>
+              <a:t> sort</a:t>
             </a:r>
           </a:p>
         </p:txBody>
@@ -9040,7 +10349,7 @@
           <p:cNvPr id="3" name="Symbol zastępczy zawartości 2">
             <a:extLst>
               <a:ext uri="{FF2B5EF4-FFF2-40B4-BE49-F238E27FC236}">
-                <a16:creationId xmlns:a16="http://schemas.microsoft.com/office/drawing/2014/main" id="{922AB646-8467-41EF-991F-47114C317230}"/>
+                <a16:creationId xmlns:a16="http://schemas.microsoft.com/office/drawing/2014/main" id="{7A47F2DD-81DC-4D98-8350-2F3D00EB10EE}"/>
               </a:ext>
             </a:extLst>
           </p:cNvPr>
@@ -9051,27 +10360,66 @@
             <p:ph sz="half" idx="1"/>
           </p:nvPr>
         </p:nvSpPr>
-        <p:spPr/>
+        <p:spPr>
+          <a:xfrm>
+            <a:off x="838200" y="1825625"/>
+            <a:ext cx="5181600" cy="3543329"/>
+          </a:xfrm>
+        </p:spPr>
         <p:txBody>
-          <a:bodyPr/>
+          <a:bodyPr>
+            <a:normAutofit/>
+          </a:bodyPr>
           <a:lstStyle/>
           <a:p>
             <a:pPr marL="0" indent="0">
               <a:buNone/>
             </a:pPr>
             <a:r>
-              <a:rPr lang="pl-PL" dirty="0"/>
-              <a:t>Jak widzimy mamy tu 3 pętle typu for w których ta pierwsza odpowiada za sposób wypełniania używany w danym czasie, druga za rozmiar tabeli na, którym aktualnie przeprowadzamy testy, a trzecia za sposób sortowania którego aktualnie używamy.</a:t>
-            </a:r>
+              <a:rPr lang="pl-PL" sz="2400" dirty="0"/>
+              <a:t>Ten </a:t>
+            </a:r>
+            <a:r>
+              <a:rPr lang="pl-PL" sz="2400" dirty="0" err="1"/>
+              <a:t>bucket</a:t>
+            </a:r>
+            <a:r>
+              <a:rPr lang="pl-PL" sz="2400" dirty="0"/>
+              <a:t> sort różni się od tego, którego mieliśmy na lekcji, więc dokładnie go wytłumaczę.</a:t>
+            </a:r>
+          </a:p>
+          <a:p>
+            <a:pPr marL="0" indent="0">
+              <a:buNone/>
+            </a:pPr>
+            <a:r>
+              <a:rPr lang="pl-PL" sz="2400" dirty="0"/>
+              <a:t>45 linijka: Tworzenie nowych wiaderek do których będą wkładane poszczególne liczby</a:t>
+            </a:r>
+          </a:p>
+          <a:p>
+            <a:pPr marL="0" indent="0">
+              <a:buNone/>
+            </a:pPr>
+            <a:r>
+              <a:rPr lang="pl-PL" sz="2400" dirty="0"/>
+              <a:t>46:znalezienie maksymalnej wartości i dodanie do niej 1 (dodawanie 1 było wytłumaczone na lekcji)</a:t>
+            </a:r>
+          </a:p>
+          <a:p>
+            <a:pPr marL="0" indent="0">
+              <a:buNone/>
+            </a:pPr>
+            <a:endParaRPr lang="pl-PL" sz="2400" dirty="0"/>
           </a:p>
         </p:txBody>
       </p:sp>
       <p:pic>
         <p:nvPicPr>
-          <p:cNvPr id="6" name="Symbol zastępczy zawartości 5" descr="Obraz zawierający tekst&#10;&#10;Opis wygenerowany automatycznie">
-            <a:extLst>
-              <a:ext uri="{FF2B5EF4-FFF2-40B4-BE49-F238E27FC236}">
-                <a16:creationId xmlns:a16="http://schemas.microsoft.com/office/drawing/2014/main" id="{09151976-3100-4F1C-B74E-F1C26864CDB1}"/>
+          <p:cNvPr id="12" name="Symbol zastępczy zawartości 11" descr="Obraz zawierający tekst&#10;&#10;Opis wygenerowany automatycznie">
+            <a:extLst>
+              <a:ext uri="{FF2B5EF4-FFF2-40B4-BE49-F238E27FC236}">
+                <a16:creationId xmlns:a16="http://schemas.microsoft.com/office/drawing/2014/main" id="{D78DE19A-AB9F-4842-8C9A-B9C3FB497980}"/>
               </a:ext>
             </a:extLst>
           </p:cNvPr>
@@ -9096,15 +10444,15 @@
         </p:blipFill>
         <p:spPr>
           <a:xfrm>
-            <a:off x="6172200" y="2054928"/>
-            <a:ext cx="5181600" cy="3892731"/>
+            <a:off x="6286154" y="3329688"/>
+            <a:ext cx="4953691" cy="1343212"/>
           </a:xfrm>
         </p:spPr>
       </p:pic>
     </p:spTree>
     <p:extLst>
       <p:ext uri="{BB962C8B-B14F-4D97-AF65-F5344CB8AC3E}">
-        <p14:creationId xmlns:p14="http://schemas.microsoft.com/office/powerpoint/2010/main" val="893105474"/>
+        <p14:creationId xmlns:p14="http://schemas.microsoft.com/office/powerpoint/2010/main" val="2761650239"/>
       </p:ext>
     </p:extLst>
   </p:cSld>
@@ -9117,6 +10465,40 @@
 <file path=ppt/slides/slide9.xml><?xml version="1.0" encoding="utf-8"?>
 <p:sld xmlns:a="http://schemas.openxmlformats.org/drawingml/2006/main" xmlns:r="http://schemas.openxmlformats.org/officeDocument/2006/relationships" xmlns:p="http://schemas.openxmlformats.org/presentationml/2006/main">
   <p:cSld>
+    <p:bg>
+      <p:bgPr>
+        <a:gradFill>
+          <a:gsLst>
+            <a:gs pos="0">
+              <a:schemeClr val="accent1">
+                <a:lumMod val="5000"/>
+                <a:lumOff val="95000"/>
+              </a:schemeClr>
+            </a:gs>
+            <a:gs pos="74000">
+              <a:schemeClr val="accent1">
+                <a:lumMod val="45000"/>
+                <a:lumOff val="55000"/>
+              </a:schemeClr>
+            </a:gs>
+            <a:gs pos="83000">
+              <a:schemeClr val="accent1">
+                <a:lumMod val="45000"/>
+                <a:lumOff val="55000"/>
+              </a:schemeClr>
+            </a:gs>
+            <a:gs pos="100000">
+              <a:schemeClr val="accent1">
+                <a:lumMod val="30000"/>
+                <a:lumOff val="70000"/>
+              </a:schemeClr>
+            </a:gs>
+          </a:gsLst>
+          <a:lin ang="5400000" scaled="1"/>
+        </a:gradFill>
+        <a:effectLst/>
+      </p:bgPr>
+    </p:bg>
     <p:spTree>
       <p:nvGrpSpPr>
         <p:cNvPr id="1" name=""/>
@@ -9133,10 +10515,10 @@
       </p:grpSpPr>
       <p:sp>
         <p:nvSpPr>
-          <p:cNvPr id="2" name="Tytuł 1">
-            <a:extLst>
-              <a:ext uri="{FF2B5EF4-FFF2-40B4-BE49-F238E27FC236}">
-                <a16:creationId xmlns:a16="http://schemas.microsoft.com/office/drawing/2014/main" id="{995A51BE-373F-48A4-A0E3-828672F9A365}"/>
+          <p:cNvPr id="24" name="Symbol zastępczy zawartości 23">
+            <a:extLst>
+              <a:ext uri="{FF2B5EF4-FFF2-40B4-BE49-F238E27FC236}">
+                <a16:creationId xmlns:a16="http://schemas.microsoft.com/office/drawing/2014/main" id="{853104E2-7CCE-4B3A-8165-177CA036A633}"/>
               </a:ext>
             </a:extLst>
           </p:cNvPr>
@@ -9144,117 +10526,231 @@
             <a:spLocks noGrp="1"/>
           </p:cNvSpPr>
           <p:nvPr>
-            <p:ph type="title"/>
+            <p:ph sz="half" idx="1"/>
           </p:nvPr>
         </p:nvSpPr>
-        <p:spPr/>
+        <p:spPr>
+          <a:xfrm>
+            <a:off x="838200" y="855406"/>
+            <a:ext cx="4618703" cy="5321557"/>
+          </a:xfrm>
+        </p:spPr>
         <p:txBody>
           <a:bodyPr>
-            <a:normAutofit/>
+            <a:normAutofit fontScale="92500" lnSpcReduction="10000"/>
           </a:bodyPr>
           <a:lstStyle/>
           <a:p>
-            <a:pPr algn="ctr"/>
-            <a:r>
-              <a:rPr lang="pl-PL" sz="3200" b="1" dirty="0"/>
-              <a:t>Jak spisują się nasze sortowania w sytuacji optymistycznej</a:t>
-            </a:r>
+            <a:r>
+              <a:rPr lang="pl-PL" sz="2600" b="0" i="0" dirty="0">
+                <a:effectLst/>
+                <a:latin typeface="Whitney"/>
+              </a:rPr>
+              <a:t>47 - 51 pętla </a:t>
+            </a:r>
+            <a:r>
+              <a:rPr lang="pl-PL" sz="2600" b="0" i="0" dirty="0" err="1">
+                <a:effectLst/>
+                <a:latin typeface="Whitney"/>
+              </a:rPr>
+              <a:t>ktora</a:t>
+            </a:r>
+            <a:r>
+              <a:rPr lang="pl-PL" sz="2600" b="0" i="0" dirty="0">
+                <a:effectLst/>
+                <a:latin typeface="Whitney"/>
+              </a:rPr>
+              <a:t> </a:t>
+            </a:r>
+            <a:r>
+              <a:rPr lang="pl-PL" sz="2600" b="0" i="0" dirty="0" err="1">
+                <a:effectLst/>
+                <a:latin typeface="Whitney"/>
+              </a:rPr>
+              <a:t>jst</a:t>
+            </a:r>
+            <a:r>
+              <a:rPr lang="pl-PL" sz="2600" b="0" i="0" dirty="0">
+                <a:effectLst/>
+                <a:latin typeface="Whitney"/>
+              </a:rPr>
+              <a:t> kluczowa dla </a:t>
+            </a:r>
+            <a:r>
+              <a:rPr lang="pl-PL" sz="2600" b="0" i="0" dirty="0" err="1">
+                <a:effectLst/>
+                <a:latin typeface="Whitney"/>
+              </a:rPr>
+              <a:t>bucket</a:t>
+            </a:r>
+            <a:r>
+              <a:rPr lang="pl-PL" sz="2600" b="0" i="0" dirty="0">
+                <a:effectLst/>
+                <a:latin typeface="Whitney"/>
+              </a:rPr>
+              <a:t> </a:t>
+            </a:r>
+            <a:r>
+              <a:rPr lang="pl-PL" sz="2600" b="0" i="0" dirty="0" err="1">
+                <a:effectLst/>
+                <a:latin typeface="Whitney"/>
+              </a:rPr>
+              <a:t>sort'a</a:t>
+            </a:r>
+            <a:r>
+              <a:rPr lang="pl-PL" sz="2600" b="0" i="0" dirty="0">
+                <a:effectLst/>
+                <a:latin typeface="Whitney"/>
+              </a:rPr>
+              <a:t>, iteruje ona przez każdy element tablicy danej do posortowania, i "wkłada" ją do odpowiedniego wiaderka</a:t>
+            </a:r>
+          </a:p>
+          <a:p>
+            <a:endParaRPr lang="pl-PL" sz="2600" b="0" i="0" dirty="0">
+              <a:effectLst/>
+              <a:latin typeface="Whitney"/>
+            </a:endParaRPr>
+          </a:p>
+          <a:p>
+            <a:r>
+              <a:rPr lang="pl-PL" sz="2600" b="0" i="0" dirty="0">
+                <a:effectLst/>
+                <a:latin typeface="Whitney"/>
+              </a:rPr>
+              <a:t>49 - kalkulowanie indeksu wiaderka dla danej liczby(by wiedzieć do jakiego wiaderka włożyć liczbę). </a:t>
+            </a:r>
+            <a:r>
+              <a:rPr lang="pl-PL" sz="2600" dirty="0">
+                <a:latin typeface="Whitney"/>
+              </a:rPr>
+              <a:t>1.0 jest po to by przekształcić na </a:t>
+            </a:r>
+            <a:r>
+              <a:rPr lang="pl-PL" sz="2600" dirty="0" err="1">
+                <a:latin typeface="Whitney"/>
+              </a:rPr>
+              <a:t>float</a:t>
+            </a:r>
+            <a:r>
+              <a:rPr lang="pl-PL" sz="2600" dirty="0">
+                <a:latin typeface="Whitney"/>
+              </a:rPr>
+              <a:t>, a dopiero potem konwertowana do </a:t>
+            </a:r>
+            <a:r>
+              <a:rPr lang="pl-PL" sz="2600" dirty="0" err="1">
+                <a:latin typeface="Whitney"/>
+              </a:rPr>
+              <a:t>int</a:t>
+            </a:r>
+            <a:r>
+              <a:rPr lang="pl-PL" sz="2600" dirty="0">
+                <a:latin typeface="Whitney"/>
+              </a:rPr>
+              <a:t>. W normalnym </a:t>
+            </a:r>
+            <a:r>
+              <a:rPr lang="pl-PL" sz="2600" dirty="0" err="1">
+                <a:latin typeface="Whitney"/>
+              </a:rPr>
+              <a:t>bucket</a:t>
+            </a:r>
+            <a:r>
+              <a:rPr lang="pl-PL" sz="2600" dirty="0">
+                <a:latin typeface="Whitney"/>
+              </a:rPr>
+              <a:t> sorcie nie ma dzielenia przez </a:t>
+            </a:r>
+            <a:r>
+              <a:rPr lang="pl-PL" sz="2600" dirty="0" err="1">
+                <a:latin typeface="Whitney"/>
+              </a:rPr>
+              <a:t>max_value</a:t>
+            </a:r>
+            <a:r>
+              <a:rPr lang="pl-PL" sz="2600" dirty="0">
+                <a:latin typeface="Whitney"/>
+              </a:rPr>
+              <a:t> (</a:t>
+            </a:r>
+            <a:r>
+              <a:rPr lang="pl-PL" sz="2600" b="0" i="0" dirty="0">
+                <a:effectLst/>
+                <a:latin typeface="Whitney"/>
+              </a:rPr>
+              <a:t>dzielenie przez </a:t>
+            </a:r>
+            <a:r>
+              <a:rPr lang="pl-PL" sz="2600" b="0" i="0" dirty="0" err="1">
+                <a:effectLst/>
+                <a:latin typeface="Whitney"/>
+              </a:rPr>
+              <a:t>max_value</a:t>
+            </a:r>
+            <a:r>
+              <a:rPr lang="pl-PL" sz="2600" b="0" i="0" dirty="0">
+                <a:effectLst/>
+                <a:latin typeface="Whitney"/>
+              </a:rPr>
+              <a:t> - konwersja liczb &gt; 1 na </a:t>
+            </a:r>
+            <a:r>
+              <a:rPr lang="pl-PL" sz="2600" b="0" i="0" dirty="0" err="1">
+                <a:effectLst/>
+                <a:latin typeface="Whitney"/>
+              </a:rPr>
+              <a:t>liczbe</a:t>
+            </a:r>
+            <a:r>
+              <a:rPr lang="pl-PL" sz="2600" b="0" i="0" dirty="0">
+                <a:effectLst/>
+                <a:latin typeface="Whitney"/>
+              </a:rPr>
+              <a:t> &lt;= 1)</a:t>
+            </a:r>
+            <a:endParaRPr lang="pl-PL" sz="2600" dirty="0"/>
           </a:p>
         </p:txBody>
       </p:sp>
-      <p:sp>
-        <p:nvSpPr>
-          <p:cNvPr id="3" name="Symbol zastępczy zawartości 2">
-            <a:extLst>
-              <a:ext uri="{FF2B5EF4-FFF2-40B4-BE49-F238E27FC236}">
-                <a16:creationId xmlns:a16="http://schemas.microsoft.com/office/drawing/2014/main" id="{D1D5FB06-0BCC-4837-88BD-1F79710C0EA8}"/>
-              </a:ext>
-            </a:extLst>
-          </p:cNvPr>
-          <p:cNvSpPr>
-            <a:spLocks noGrp="1"/>
-          </p:cNvSpPr>
-          <p:nvPr>
-            <p:ph sz="half" idx="1"/>
-          </p:nvPr>
-        </p:nvSpPr>
-        <p:spPr/>
-        <p:txBody>
-          <a:bodyPr/>
-          <a:lstStyle/>
-          <a:p>
-            <a:pPr marL="0" indent="0">
-              <a:buNone/>
-            </a:pPr>
-            <a:r>
-              <a:rPr lang="pl-PL" dirty="0"/>
-              <a:t>Jak widać na wykresie w sytuacji optymistycznej  insert sort jest najszybszym sposobem sortowania, najwolniejszymi są </a:t>
-            </a:r>
-            <a:r>
-              <a:rPr lang="pl-PL" dirty="0" err="1"/>
-              <a:t>bubble</a:t>
-            </a:r>
-            <a:r>
-              <a:rPr lang="pl-PL" dirty="0"/>
-              <a:t> sort i </a:t>
-            </a:r>
-            <a:r>
-              <a:rPr lang="pl-PL" dirty="0" err="1"/>
-              <a:t>selection</a:t>
-            </a:r>
-            <a:r>
-              <a:rPr lang="pl-PL" dirty="0"/>
-              <a:t> sort. Widać także, że na szybkość </a:t>
-            </a:r>
-            <a:r>
-              <a:rPr lang="pl-PL" dirty="0" err="1"/>
-              <a:t>bubble</a:t>
-            </a:r>
-            <a:r>
-              <a:rPr lang="pl-PL" dirty="0"/>
-              <a:t> sort i </a:t>
-            </a:r>
-            <a:r>
-              <a:rPr lang="pl-PL" dirty="0" err="1"/>
-              <a:t>selection</a:t>
-            </a:r>
-            <a:r>
-              <a:rPr lang="pl-PL" dirty="0"/>
-              <a:t> sort spory wpływ ma ilość elementów w tablicy (będzie się to powtarzać w każdej innej sytuacji)</a:t>
-            </a:r>
-          </a:p>
-        </p:txBody>
-      </p:sp>
-      <p:graphicFrame>
-        <p:nvGraphicFramePr>
-          <p:cNvPr id="5" name="Symbol zastępczy zawartości 4">
-            <a:extLst>
-              <a:ext uri="{FF2B5EF4-FFF2-40B4-BE49-F238E27FC236}">
-                <a16:creationId xmlns:a16="http://schemas.microsoft.com/office/drawing/2014/main" id="{C6D418CB-4987-4287-9BE3-62C5A989DD6E}"/>
-              </a:ext>
-            </a:extLst>
-          </p:cNvPr>
-          <p:cNvGraphicFramePr>
-            <a:graphicFrameLocks noGrp="1"/>
-          </p:cNvGraphicFramePr>
+      <p:pic>
+        <p:nvPicPr>
+          <p:cNvPr id="26" name="Symbol zastępczy zawartości 25" descr="Obraz zawierający tekst&#10;&#10;Opis wygenerowany automatycznie">
+            <a:extLst>
+              <a:ext uri="{FF2B5EF4-FFF2-40B4-BE49-F238E27FC236}">
+                <a16:creationId xmlns:a16="http://schemas.microsoft.com/office/drawing/2014/main" id="{5820E368-1A90-4576-87CF-9CA5F530E25D}"/>
+              </a:ext>
+            </a:extLst>
+          </p:cNvPr>
+          <p:cNvPicPr>
+            <a:picLocks noGrp="1" noChangeAspect="1"/>
+          </p:cNvPicPr>
           <p:nvPr>
             <p:ph sz="half" idx="2"/>
           </p:nvPr>
-        </p:nvGraphicFramePr>
-        <p:xfrm>
-          <a:off x="6172200" y="1825625"/>
-          <a:ext cx="5181600" cy="4351338"/>
-        </p:xfrm>
-        <a:graphic>
-          <a:graphicData uri="http://schemas.openxmlformats.org/drawingml/2006/chart">
-            <c:chart xmlns:c="http://schemas.openxmlformats.org/drawingml/2006/chart" xmlns:r="http://schemas.openxmlformats.org/officeDocument/2006/relationships" r:id="rId2"/>
-          </a:graphicData>
-        </a:graphic>
-      </p:graphicFrame>
+        </p:nvPicPr>
+        <p:blipFill>
+          <a:blip r:embed="rId2">
+            <a:extLst>
+              <a:ext uri="{28A0092B-C50C-407E-A947-70E740481C1C}">
+                <a14:useLocalDpi xmlns:a14="http://schemas.microsoft.com/office/drawing/2010/main" val="0"/>
+              </a:ext>
+            </a:extLst>
+          </a:blip>
+          <a:stretch>
+            <a:fillRect/>
+          </a:stretch>
+        </p:blipFill>
+        <p:spPr>
+          <a:xfrm>
+            <a:off x="5574891" y="3256988"/>
+            <a:ext cx="5636376" cy="1315886"/>
+          </a:xfrm>
+        </p:spPr>
+      </p:pic>
     </p:spTree>
     <p:extLst>
       <p:ext uri="{BB962C8B-B14F-4D97-AF65-F5344CB8AC3E}">
-        <p14:creationId xmlns:p14="http://schemas.microsoft.com/office/powerpoint/2010/main" val="3178012476"/>
+        <p14:creationId xmlns:p14="http://schemas.microsoft.com/office/powerpoint/2010/main" val="3783499120"/>
       </p:ext>
     </p:extLst>
   </p:cSld>
